--- a/img/mdp.pptx
+++ b/img/mdp.pptx
@@ -104,6 +104,11 @@
       </a:defRPr>
     </a:lvl9pPr>
   </p:defaultTextStyle>
+  <p:extLst>
+    <p:ext uri="{EFAFB233-063F-42B5-8137-9DF3F51BA10A}">
+      <p15:sldGuideLst xmlns:p15="http://schemas.microsoft.com/office/powerpoint/2012/main"/>
+    </p:ext>
+  </p:extLst>
 </p:presentation>
 </file>
 
@@ -238,7 +243,7 @@
           <a:p>
             <a:fld id="{003F6F7A-E005-453B-92D2-030EFA9066ED}" type="datetimeFigureOut">
               <a:rPr lang="fr-FR" smtClean="0"/>
-              <a:t>16/03/2020</a:t>
+              <a:t>02/04/2020</a:t>
             </a:fld>
             <a:endParaRPr lang="fr-FR"/>
           </a:p>
@@ -408,7 +413,7 @@
           <a:p>
             <a:fld id="{003F6F7A-E005-453B-92D2-030EFA9066ED}" type="datetimeFigureOut">
               <a:rPr lang="fr-FR" smtClean="0"/>
-              <a:t>16/03/2020</a:t>
+              <a:t>02/04/2020</a:t>
             </a:fld>
             <a:endParaRPr lang="fr-FR"/>
           </a:p>
@@ -588,7 +593,7 @@
           <a:p>
             <a:fld id="{003F6F7A-E005-453B-92D2-030EFA9066ED}" type="datetimeFigureOut">
               <a:rPr lang="fr-FR" smtClean="0"/>
-              <a:t>16/03/2020</a:t>
+              <a:t>02/04/2020</a:t>
             </a:fld>
             <a:endParaRPr lang="fr-FR"/>
           </a:p>
@@ -758,7 +763,7 @@
           <a:p>
             <a:fld id="{003F6F7A-E005-453B-92D2-030EFA9066ED}" type="datetimeFigureOut">
               <a:rPr lang="fr-FR" smtClean="0"/>
-              <a:t>16/03/2020</a:t>
+              <a:t>02/04/2020</a:t>
             </a:fld>
             <a:endParaRPr lang="fr-FR"/>
           </a:p>
@@ -1002,7 +1007,7 @@
           <a:p>
             <a:fld id="{003F6F7A-E005-453B-92D2-030EFA9066ED}" type="datetimeFigureOut">
               <a:rPr lang="fr-FR" smtClean="0"/>
-              <a:t>16/03/2020</a:t>
+              <a:t>02/04/2020</a:t>
             </a:fld>
             <a:endParaRPr lang="fr-FR"/>
           </a:p>
@@ -1234,7 +1239,7 @@
           <a:p>
             <a:fld id="{003F6F7A-E005-453B-92D2-030EFA9066ED}" type="datetimeFigureOut">
               <a:rPr lang="fr-FR" smtClean="0"/>
-              <a:t>16/03/2020</a:t>
+              <a:t>02/04/2020</a:t>
             </a:fld>
             <a:endParaRPr lang="fr-FR"/>
           </a:p>
@@ -1601,7 +1606,7 @@
           <a:p>
             <a:fld id="{003F6F7A-E005-453B-92D2-030EFA9066ED}" type="datetimeFigureOut">
               <a:rPr lang="fr-FR" smtClean="0"/>
-              <a:t>16/03/2020</a:t>
+              <a:t>02/04/2020</a:t>
             </a:fld>
             <a:endParaRPr lang="fr-FR"/>
           </a:p>
@@ -1719,7 +1724,7 @@
           <a:p>
             <a:fld id="{003F6F7A-E005-453B-92D2-030EFA9066ED}" type="datetimeFigureOut">
               <a:rPr lang="fr-FR" smtClean="0"/>
-              <a:t>16/03/2020</a:t>
+              <a:t>02/04/2020</a:t>
             </a:fld>
             <a:endParaRPr lang="fr-FR"/>
           </a:p>
@@ -1814,7 +1819,7 @@
           <a:p>
             <a:fld id="{003F6F7A-E005-453B-92D2-030EFA9066ED}" type="datetimeFigureOut">
               <a:rPr lang="fr-FR" smtClean="0"/>
-              <a:t>16/03/2020</a:t>
+              <a:t>02/04/2020</a:t>
             </a:fld>
             <a:endParaRPr lang="fr-FR"/>
           </a:p>
@@ -2091,7 +2096,7 @@
           <a:p>
             <a:fld id="{003F6F7A-E005-453B-92D2-030EFA9066ED}" type="datetimeFigureOut">
               <a:rPr lang="fr-FR" smtClean="0"/>
-              <a:t>16/03/2020</a:t>
+              <a:t>02/04/2020</a:t>
             </a:fld>
             <a:endParaRPr lang="fr-FR"/>
           </a:p>
@@ -2348,7 +2353,7 @@
           <a:p>
             <a:fld id="{003F6F7A-E005-453B-92D2-030EFA9066ED}" type="datetimeFigureOut">
               <a:rPr lang="fr-FR" smtClean="0"/>
-              <a:t>16/03/2020</a:t>
+              <a:t>02/04/2020</a:t>
             </a:fld>
             <a:endParaRPr lang="fr-FR"/>
           </a:p>
@@ -2561,7 +2566,7 @@
           <a:p>
             <a:fld id="{003F6F7A-E005-453B-92D2-030EFA9066ED}" type="datetimeFigureOut">
               <a:rPr lang="fr-FR" smtClean="0"/>
-              <a:t>16/03/2020</a:t>
+              <a:t>02/04/2020</a:t>
             </a:fld>
             <a:endParaRPr lang="fr-FR"/>
           </a:p>
@@ -2966,1268 +2971,1247 @@
           <a:chExt cx="0" cy="0"/>
         </a:xfrm>
       </p:grpSpPr>
-      <p:grpSp>
-        <p:nvGrpSpPr>
-          <p:cNvPr id="29" name="Groupe 28">
+      <p:cxnSp>
+        <p:nvCxnSpPr>
+          <p:cNvPr id="9" name="Connecteur droit avec flèche 8">
             <a:extLst>
               <a:ext uri="{FF2B5EF4-FFF2-40B4-BE49-F238E27FC236}">
-                <a16:creationId xmlns:a16="http://schemas.microsoft.com/office/drawing/2014/main" id="{A1FEFDD3-15D7-4518-B151-6C41F164A3E5}"/>
+                <a16:creationId xmlns:a16="http://schemas.microsoft.com/office/drawing/2014/main" id="{A5BA472D-5445-4C33-BFA2-91FB7A286390}"/>
               </a:ext>
             </a:extLst>
           </p:cNvPr>
-          <p:cNvGrpSpPr/>
+          <p:cNvCxnSpPr>
+            <a:cxnSpLocks/>
+            <a:stCxn id="20" idx="5"/>
+            <a:endCxn id="21" idx="1"/>
+          </p:cNvCxnSpPr>
           <p:nvPr/>
-        </p:nvGrpSpPr>
-        <p:grpSpPr>
+        </p:nvCxnSpPr>
+        <p:spPr>
           <a:xfrm>
-            <a:off x="384059" y="224949"/>
-            <a:ext cx="2111605" cy="1710690"/>
-            <a:chOff x="4429462" y="1771650"/>
-            <a:chExt cx="3150174" cy="2552074"/>
+            <a:off x="1485579" y="315778"/>
+            <a:ext cx="726375" cy="1291873"/>
           </a:xfrm>
-        </p:grpSpPr>
-        <p:cxnSp>
-          <p:nvCxnSpPr>
-            <p:cNvPr id="9" name="Connecteur droit avec flèche 8">
-              <a:extLst>
-                <a:ext uri="{FF2B5EF4-FFF2-40B4-BE49-F238E27FC236}">
-                  <a16:creationId xmlns:a16="http://schemas.microsoft.com/office/drawing/2014/main" id="{A5BA472D-5445-4C33-BFA2-91FB7A286390}"/>
-                </a:ext>
-              </a:extLst>
-            </p:cNvPr>
-            <p:cNvCxnSpPr>
-              <a:cxnSpLocks/>
-              <a:stCxn id="20" idx="5"/>
-              <a:endCxn id="21" idx="1"/>
-            </p:cNvCxnSpPr>
-            <p:nvPr/>
-          </p:nvCxnSpPr>
-          <p:spPr>
-            <a:xfrm>
-              <a:off x="6072752" y="1907152"/>
-              <a:ext cx="1083635" cy="1927266"/>
-            </a:xfrm>
-            <a:prstGeom prst="straightConnector1">
+          <a:prstGeom prst="straightConnector1">
+            <a:avLst/>
+          </a:prstGeom>
+          <a:ln w="38100">
+            <a:solidFill>
+              <a:schemeClr val="accent1"/>
+            </a:solidFill>
+            <a:tailEnd type="triangle" w="lg" len="lg"/>
+          </a:ln>
+        </p:spPr>
+        <p:style>
+          <a:lnRef idx="1">
+            <a:schemeClr val="accent1"/>
+          </a:lnRef>
+          <a:fillRef idx="0">
+            <a:schemeClr val="accent1"/>
+          </a:fillRef>
+          <a:effectRef idx="0">
+            <a:schemeClr val="accent1"/>
+          </a:effectRef>
+          <a:fontRef idx="minor">
+            <a:schemeClr val="tx1"/>
+          </a:fontRef>
+        </p:style>
+      </p:cxnSp>
+      <p:cxnSp>
+        <p:nvCxnSpPr>
+          <p:cNvPr id="10" name="Connecteur droit avec flèche 9">
+            <a:extLst>
+              <a:ext uri="{FF2B5EF4-FFF2-40B4-BE49-F238E27FC236}">
+                <a16:creationId xmlns:a16="http://schemas.microsoft.com/office/drawing/2014/main" id="{09713857-793F-44A2-AC93-61FD9C9E2694}"/>
+              </a:ext>
+            </a:extLst>
+          </p:cNvPr>
+          <p:cNvCxnSpPr>
+            <a:cxnSpLocks/>
+            <a:stCxn id="20" idx="3"/>
+            <a:endCxn id="26" idx="7"/>
+          </p:cNvCxnSpPr>
+          <p:nvPr/>
+        </p:nvCxnSpPr>
+        <p:spPr>
+          <a:xfrm flipH="1">
+            <a:off x="678790" y="315778"/>
+            <a:ext cx="731544" cy="1300695"/>
+          </a:xfrm>
+          <a:prstGeom prst="straightConnector1">
+            <a:avLst/>
+          </a:prstGeom>
+          <a:ln w="38100">
+            <a:solidFill>
+              <a:schemeClr val="accent3"/>
+            </a:solidFill>
+            <a:tailEnd type="triangle" w="lg" len="lg"/>
+          </a:ln>
+        </p:spPr>
+        <p:style>
+          <a:lnRef idx="1">
+            <a:schemeClr val="accent1"/>
+          </a:lnRef>
+          <a:fillRef idx="0">
+            <a:schemeClr val="accent1"/>
+          </a:fillRef>
+          <a:effectRef idx="0">
+            <a:schemeClr val="accent1"/>
+          </a:effectRef>
+          <a:fontRef idx="minor">
+            <a:schemeClr val="tx1"/>
+          </a:fontRef>
+        </p:style>
+      </p:cxnSp>
+      <p:cxnSp>
+        <p:nvCxnSpPr>
+          <p:cNvPr id="14" name="Connecteur droit avec flèche 13">
+            <a:extLst>
+              <a:ext uri="{FF2B5EF4-FFF2-40B4-BE49-F238E27FC236}">
+                <a16:creationId xmlns:a16="http://schemas.microsoft.com/office/drawing/2014/main" id="{AA03D353-96B4-49F0-B608-0785466B52FA}"/>
+              </a:ext>
+            </a:extLst>
+          </p:cNvPr>
+          <p:cNvCxnSpPr>
+            <a:cxnSpLocks/>
+            <a:stCxn id="21" idx="2"/>
+            <a:endCxn id="26" idx="6"/>
+          </p:cNvCxnSpPr>
+          <p:nvPr/>
+        </p:nvCxnSpPr>
+        <p:spPr>
+          <a:xfrm flipH="1">
+            <a:off x="694373" y="1645273"/>
+            <a:ext cx="1501998" cy="8823"/>
+          </a:xfrm>
+          <a:prstGeom prst="straightConnector1">
+            <a:avLst/>
+          </a:prstGeom>
+          <a:ln w="38100">
+            <a:solidFill>
+              <a:schemeClr val="accent3"/>
+            </a:solidFill>
+            <a:tailEnd type="triangle" w="lg" len="lg"/>
+          </a:ln>
+        </p:spPr>
+        <p:style>
+          <a:lnRef idx="1">
+            <a:schemeClr val="accent1"/>
+          </a:lnRef>
+          <a:fillRef idx="0">
+            <a:schemeClr val="accent1"/>
+          </a:fillRef>
+          <a:effectRef idx="0">
+            <a:schemeClr val="accent1"/>
+          </a:effectRef>
+          <a:fontRef idx="minor">
+            <a:schemeClr val="tx1"/>
+          </a:fontRef>
+        </p:style>
+      </p:cxnSp>
+      <p:sp>
+        <p:nvSpPr>
+          <p:cNvPr id="17" name="Ellipse 16">
+            <a:extLst>
+              <a:ext uri="{FF2B5EF4-FFF2-40B4-BE49-F238E27FC236}">
+                <a16:creationId xmlns:a16="http://schemas.microsoft.com/office/drawing/2014/main" id="{0BAEB1F1-E3EA-4B25-8988-32D9EA14EE65}"/>
+              </a:ext>
+            </a:extLst>
+          </p:cNvPr>
+          <p:cNvSpPr/>
+          <p:nvPr/>
+        </p:nvSpPr>
+        <p:spPr>
+          <a:xfrm>
+            <a:off x="2270769" y="1529256"/>
+            <a:ext cx="224895" cy="249680"/>
+          </a:xfrm>
+          <a:custGeom>
+            <a:avLst/>
+            <a:gdLst>
+              <a:gd name="connsiteX0" fmla="*/ 0 w 354556"/>
+              <a:gd name="connsiteY0" fmla="*/ 177278 h 354556"/>
+              <a:gd name="connsiteX1" fmla="*/ 177278 w 354556"/>
+              <a:gd name="connsiteY1" fmla="*/ 0 h 354556"/>
+              <a:gd name="connsiteX2" fmla="*/ 354556 w 354556"/>
+              <a:gd name="connsiteY2" fmla="*/ 177278 h 354556"/>
+              <a:gd name="connsiteX3" fmla="*/ 177278 w 354556"/>
+              <a:gd name="connsiteY3" fmla="*/ 354556 h 354556"/>
+              <a:gd name="connsiteX4" fmla="*/ 0 w 354556"/>
+              <a:gd name="connsiteY4" fmla="*/ 177278 h 354556"/>
+              <a:gd name="connsiteX0" fmla="*/ 0 w 354556"/>
+              <a:gd name="connsiteY0" fmla="*/ 177278 h 354556"/>
+              <a:gd name="connsiteX1" fmla="*/ 177278 w 354556"/>
+              <a:gd name="connsiteY1" fmla="*/ 0 h 354556"/>
+              <a:gd name="connsiteX2" fmla="*/ 354556 w 354556"/>
+              <a:gd name="connsiteY2" fmla="*/ 177278 h 354556"/>
+              <a:gd name="connsiteX3" fmla="*/ 177278 w 354556"/>
+              <a:gd name="connsiteY3" fmla="*/ 354556 h 354556"/>
+              <a:gd name="connsiteX4" fmla="*/ 91440 w 354556"/>
+              <a:gd name="connsiteY4" fmla="*/ 268718 h 354556"/>
+              <a:gd name="connsiteX0" fmla="*/ 0 w 354556"/>
+              <a:gd name="connsiteY0" fmla="*/ 177278 h 356214"/>
+              <a:gd name="connsiteX1" fmla="*/ 177278 w 354556"/>
+              <a:gd name="connsiteY1" fmla="*/ 0 h 356214"/>
+              <a:gd name="connsiteX2" fmla="*/ 354556 w 354556"/>
+              <a:gd name="connsiteY2" fmla="*/ 177278 h 356214"/>
+              <a:gd name="connsiteX3" fmla="*/ 177278 w 354556"/>
+              <a:gd name="connsiteY3" fmla="*/ 354556 h 356214"/>
+              <a:gd name="connsiteX4" fmla="*/ 26125 w 354556"/>
+              <a:gd name="connsiteY4" fmla="*/ 268718 h 356214"/>
+              <a:gd name="connsiteX0" fmla="*/ 0 w 354556"/>
+              <a:gd name="connsiteY0" fmla="*/ 177278 h 357465"/>
+              <a:gd name="connsiteX1" fmla="*/ 177278 w 354556"/>
+              <a:gd name="connsiteY1" fmla="*/ 0 h 357465"/>
+              <a:gd name="connsiteX2" fmla="*/ 354556 w 354556"/>
+              <a:gd name="connsiteY2" fmla="*/ 177278 h 357465"/>
+              <a:gd name="connsiteX3" fmla="*/ 177278 w 354556"/>
+              <a:gd name="connsiteY3" fmla="*/ 354556 h 357465"/>
+              <a:gd name="connsiteX4" fmla="*/ 26125 w 354556"/>
+              <a:gd name="connsiteY4" fmla="*/ 268718 h 357465"/>
+              <a:gd name="connsiteX0" fmla="*/ 0 w 354556"/>
+              <a:gd name="connsiteY0" fmla="*/ 177278 h 357465"/>
+              <a:gd name="connsiteX1" fmla="*/ 177278 w 354556"/>
+              <a:gd name="connsiteY1" fmla="*/ 0 h 357465"/>
+              <a:gd name="connsiteX2" fmla="*/ 354556 w 354556"/>
+              <a:gd name="connsiteY2" fmla="*/ 177278 h 357465"/>
+              <a:gd name="connsiteX3" fmla="*/ 177278 w 354556"/>
+              <a:gd name="connsiteY3" fmla="*/ 354556 h 357465"/>
+              <a:gd name="connsiteX4" fmla="*/ 9457 w 354556"/>
+              <a:gd name="connsiteY4" fmla="*/ 268718 h 357465"/>
+              <a:gd name="connsiteX0" fmla="*/ 0 w 354556"/>
+              <a:gd name="connsiteY0" fmla="*/ 177278 h 357246"/>
+              <a:gd name="connsiteX1" fmla="*/ 177278 w 354556"/>
+              <a:gd name="connsiteY1" fmla="*/ 0 h 357246"/>
+              <a:gd name="connsiteX2" fmla="*/ 354556 w 354556"/>
+              <a:gd name="connsiteY2" fmla="*/ 177278 h 357246"/>
+              <a:gd name="connsiteX3" fmla="*/ 177278 w 354556"/>
+              <a:gd name="connsiteY3" fmla="*/ 354556 h 357246"/>
+              <a:gd name="connsiteX4" fmla="*/ 23744 w 354556"/>
+              <a:gd name="connsiteY4" fmla="*/ 266337 h 357246"/>
+              <a:gd name="connsiteX0" fmla="*/ 0 w 354556"/>
+              <a:gd name="connsiteY0" fmla="*/ 177278 h 357246"/>
+              <a:gd name="connsiteX1" fmla="*/ 177278 w 354556"/>
+              <a:gd name="connsiteY1" fmla="*/ 0 h 357246"/>
+              <a:gd name="connsiteX2" fmla="*/ 354556 w 354556"/>
+              <a:gd name="connsiteY2" fmla="*/ 177278 h 357246"/>
+              <a:gd name="connsiteX3" fmla="*/ 177278 w 354556"/>
+              <a:gd name="connsiteY3" fmla="*/ 354556 h 357246"/>
+              <a:gd name="connsiteX4" fmla="*/ 23744 w 354556"/>
+              <a:gd name="connsiteY4" fmla="*/ 266337 h 357246"/>
+              <a:gd name="connsiteX0" fmla="*/ 0 w 340269"/>
+              <a:gd name="connsiteY0" fmla="*/ 132898 h 358109"/>
+              <a:gd name="connsiteX1" fmla="*/ 162991 w 340269"/>
+              <a:gd name="connsiteY1" fmla="*/ 863 h 358109"/>
+              <a:gd name="connsiteX2" fmla="*/ 340269 w 340269"/>
+              <a:gd name="connsiteY2" fmla="*/ 178141 h 358109"/>
+              <a:gd name="connsiteX3" fmla="*/ 162991 w 340269"/>
+              <a:gd name="connsiteY3" fmla="*/ 355419 h 358109"/>
+              <a:gd name="connsiteX4" fmla="*/ 9457 w 340269"/>
+              <a:gd name="connsiteY4" fmla="*/ 267200 h 358109"/>
+              <a:gd name="connsiteX0" fmla="*/ 0 w 340269"/>
+              <a:gd name="connsiteY0" fmla="*/ 132862 h 358073"/>
+              <a:gd name="connsiteX1" fmla="*/ 162991 w 340269"/>
+              <a:gd name="connsiteY1" fmla="*/ 827 h 358073"/>
+              <a:gd name="connsiteX2" fmla="*/ 340269 w 340269"/>
+              <a:gd name="connsiteY2" fmla="*/ 178105 h 358073"/>
+              <a:gd name="connsiteX3" fmla="*/ 162991 w 340269"/>
+              <a:gd name="connsiteY3" fmla="*/ 355383 h 358073"/>
+              <a:gd name="connsiteX4" fmla="*/ 9457 w 340269"/>
+              <a:gd name="connsiteY4" fmla="*/ 267164 h 358073"/>
+              <a:gd name="connsiteX0" fmla="*/ 0 w 340269"/>
+              <a:gd name="connsiteY0" fmla="*/ 132828 h 358039"/>
+              <a:gd name="connsiteX1" fmla="*/ 162991 w 340269"/>
+              <a:gd name="connsiteY1" fmla="*/ 793 h 358039"/>
+              <a:gd name="connsiteX2" fmla="*/ 340269 w 340269"/>
+              <a:gd name="connsiteY2" fmla="*/ 178071 h 358039"/>
+              <a:gd name="connsiteX3" fmla="*/ 162991 w 340269"/>
+              <a:gd name="connsiteY3" fmla="*/ 355349 h 358039"/>
+              <a:gd name="connsiteX4" fmla="*/ 9457 w 340269"/>
+              <a:gd name="connsiteY4" fmla="*/ 267130 h 358039"/>
+              <a:gd name="connsiteX0" fmla="*/ 0 w 340269"/>
+              <a:gd name="connsiteY0" fmla="*/ 132038 h 357249"/>
+              <a:gd name="connsiteX1" fmla="*/ 162991 w 340269"/>
+              <a:gd name="connsiteY1" fmla="*/ 3 h 357249"/>
+              <a:gd name="connsiteX2" fmla="*/ 340269 w 340269"/>
+              <a:gd name="connsiteY2" fmla="*/ 177281 h 357249"/>
+              <a:gd name="connsiteX3" fmla="*/ 162991 w 340269"/>
+              <a:gd name="connsiteY3" fmla="*/ 354559 h 357249"/>
+              <a:gd name="connsiteX4" fmla="*/ 9457 w 340269"/>
+              <a:gd name="connsiteY4" fmla="*/ 266340 h 357249"/>
+              <a:gd name="connsiteX0" fmla="*/ 0 w 340269"/>
+              <a:gd name="connsiteY0" fmla="*/ 132038 h 354711"/>
+              <a:gd name="connsiteX1" fmla="*/ 162991 w 340269"/>
+              <a:gd name="connsiteY1" fmla="*/ 3 h 354711"/>
+              <a:gd name="connsiteX2" fmla="*/ 340269 w 340269"/>
+              <a:gd name="connsiteY2" fmla="*/ 177281 h 354711"/>
+              <a:gd name="connsiteX3" fmla="*/ 162991 w 340269"/>
+              <a:gd name="connsiteY3" fmla="*/ 354559 h 354711"/>
+              <a:gd name="connsiteX4" fmla="*/ 9457 w 340269"/>
+              <a:gd name="connsiteY4" fmla="*/ 266340 h 354711"/>
+              <a:gd name="connsiteX0" fmla="*/ 0 w 335507"/>
+              <a:gd name="connsiteY0" fmla="*/ 106538 h 357786"/>
+              <a:gd name="connsiteX1" fmla="*/ 158229 w 335507"/>
+              <a:gd name="connsiteY1" fmla="*/ 3078 h 357786"/>
+              <a:gd name="connsiteX2" fmla="*/ 335507 w 335507"/>
+              <a:gd name="connsiteY2" fmla="*/ 180356 h 357786"/>
+              <a:gd name="connsiteX3" fmla="*/ 158229 w 335507"/>
+              <a:gd name="connsiteY3" fmla="*/ 357634 h 357786"/>
+              <a:gd name="connsiteX4" fmla="*/ 4695 w 335507"/>
+              <a:gd name="connsiteY4" fmla="*/ 269415 h 357786"/>
+              <a:gd name="connsiteX0" fmla="*/ 0 w 335507"/>
+              <a:gd name="connsiteY0" fmla="*/ 105514 h 356762"/>
+              <a:gd name="connsiteX1" fmla="*/ 158229 w 335507"/>
+              <a:gd name="connsiteY1" fmla="*/ 2054 h 356762"/>
+              <a:gd name="connsiteX2" fmla="*/ 335507 w 335507"/>
+              <a:gd name="connsiteY2" fmla="*/ 179332 h 356762"/>
+              <a:gd name="connsiteX3" fmla="*/ 158229 w 335507"/>
+              <a:gd name="connsiteY3" fmla="*/ 356610 h 356762"/>
+              <a:gd name="connsiteX4" fmla="*/ 4695 w 335507"/>
+              <a:gd name="connsiteY4" fmla="*/ 268391 h 356762"/>
+              <a:gd name="connsiteX0" fmla="*/ 0 w 335507"/>
+              <a:gd name="connsiteY0" fmla="*/ 103616 h 354864"/>
+              <a:gd name="connsiteX1" fmla="*/ 158229 w 335507"/>
+              <a:gd name="connsiteY1" fmla="*/ 156 h 354864"/>
+              <a:gd name="connsiteX2" fmla="*/ 335507 w 335507"/>
+              <a:gd name="connsiteY2" fmla="*/ 177434 h 354864"/>
+              <a:gd name="connsiteX3" fmla="*/ 158229 w 335507"/>
+              <a:gd name="connsiteY3" fmla="*/ 354712 h 354864"/>
+              <a:gd name="connsiteX4" fmla="*/ 4695 w 335507"/>
+              <a:gd name="connsiteY4" fmla="*/ 266493 h 354864"/>
+              <a:gd name="connsiteX0" fmla="*/ 0 w 335507"/>
+              <a:gd name="connsiteY0" fmla="*/ 103616 h 354864"/>
+              <a:gd name="connsiteX1" fmla="*/ 158229 w 335507"/>
+              <a:gd name="connsiteY1" fmla="*/ 156 h 354864"/>
+              <a:gd name="connsiteX2" fmla="*/ 335507 w 335507"/>
+              <a:gd name="connsiteY2" fmla="*/ 177434 h 354864"/>
+              <a:gd name="connsiteX3" fmla="*/ 158229 w 335507"/>
+              <a:gd name="connsiteY3" fmla="*/ 354712 h 354864"/>
+              <a:gd name="connsiteX4" fmla="*/ 4695 w 335507"/>
+              <a:gd name="connsiteY4" fmla="*/ 266493 h 354864"/>
+              <a:gd name="connsiteX0" fmla="*/ 0 w 335507"/>
+              <a:gd name="connsiteY0" fmla="*/ 103616 h 354864"/>
+              <a:gd name="connsiteX1" fmla="*/ 158229 w 335507"/>
+              <a:gd name="connsiteY1" fmla="*/ 156 h 354864"/>
+              <a:gd name="connsiteX2" fmla="*/ 335507 w 335507"/>
+              <a:gd name="connsiteY2" fmla="*/ 177434 h 354864"/>
+              <a:gd name="connsiteX3" fmla="*/ 158229 w 335507"/>
+              <a:gd name="connsiteY3" fmla="*/ 354712 h 354864"/>
+              <a:gd name="connsiteX4" fmla="*/ 4695 w 335507"/>
+              <a:gd name="connsiteY4" fmla="*/ 266493 h 354864"/>
+              <a:gd name="connsiteX0" fmla="*/ 0 w 335507"/>
+              <a:gd name="connsiteY0" fmla="*/ 103616 h 354864"/>
+              <a:gd name="connsiteX1" fmla="*/ 158229 w 335507"/>
+              <a:gd name="connsiteY1" fmla="*/ 156 h 354864"/>
+              <a:gd name="connsiteX2" fmla="*/ 335507 w 335507"/>
+              <a:gd name="connsiteY2" fmla="*/ 177434 h 354864"/>
+              <a:gd name="connsiteX3" fmla="*/ 158229 w 335507"/>
+              <a:gd name="connsiteY3" fmla="*/ 354712 h 354864"/>
+              <a:gd name="connsiteX4" fmla="*/ 4695 w 335507"/>
+              <a:gd name="connsiteY4" fmla="*/ 266493 h 354864"/>
+              <a:gd name="connsiteX0" fmla="*/ 0 w 335507"/>
+              <a:gd name="connsiteY0" fmla="*/ 103616 h 355628"/>
+              <a:gd name="connsiteX1" fmla="*/ 158229 w 335507"/>
+              <a:gd name="connsiteY1" fmla="*/ 156 h 355628"/>
+              <a:gd name="connsiteX2" fmla="*/ 335507 w 335507"/>
+              <a:gd name="connsiteY2" fmla="*/ 177434 h 355628"/>
+              <a:gd name="connsiteX3" fmla="*/ 158229 w 335507"/>
+              <a:gd name="connsiteY3" fmla="*/ 354712 h 355628"/>
+              <a:gd name="connsiteX4" fmla="*/ 4695 w 335507"/>
+              <a:gd name="connsiteY4" fmla="*/ 266493 h 355628"/>
+              <a:gd name="connsiteX0" fmla="*/ 0 w 335507"/>
+              <a:gd name="connsiteY0" fmla="*/ 103616 h 372066"/>
+              <a:gd name="connsiteX1" fmla="*/ 158229 w 335507"/>
+              <a:gd name="connsiteY1" fmla="*/ 156 h 372066"/>
+              <a:gd name="connsiteX2" fmla="*/ 335507 w 335507"/>
+              <a:gd name="connsiteY2" fmla="*/ 177434 h 372066"/>
+              <a:gd name="connsiteX3" fmla="*/ 189186 w 335507"/>
+              <a:gd name="connsiteY3" fmla="*/ 371380 h 372066"/>
+              <a:gd name="connsiteX4" fmla="*/ 4695 w 335507"/>
+              <a:gd name="connsiteY4" fmla="*/ 266493 h 372066"/>
+              <a:gd name="connsiteX0" fmla="*/ 0 w 335507"/>
+              <a:gd name="connsiteY0" fmla="*/ 103616 h 372483"/>
+              <a:gd name="connsiteX1" fmla="*/ 158229 w 335507"/>
+              <a:gd name="connsiteY1" fmla="*/ 156 h 372483"/>
+              <a:gd name="connsiteX2" fmla="*/ 335507 w 335507"/>
+              <a:gd name="connsiteY2" fmla="*/ 177434 h 372483"/>
+              <a:gd name="connsiteX3" fmla="*/ 189186 w 335507"/>
+              <a:gd name="connsiteY3" fmla="*/ 371380 h 372483"/>
+              <a:gd name="connsiteX4" fmla="*/ 4695 w 335507"/>
+              <a:gd name="connsiteY4" fmla="*/ 266493 h 372483"/>
+            </a:gdLst>
+            <a:ahLst/>
+            <a:cxnLst>
+              <a:cxn ang="0">
+                <a:pos x="connsiteX0" y="connsiteY0"/>
+              </a:cxn>
+              <a:cxn ang="0">
+                <a:pos x="connsiteX1" y="connsiteY1"/>
+              </a:cxn>
+              <a:cxn ang="0">
+                <a:pos x="connsiteX2" y="connsiteY2"/>
+              </a:cxn>
+              <a:cxn ang="0">
+                <a:pos x="connsiteX3" y="connsiteY3"/>
+              </a:cxn>
+              <a:cxn ang="0">
+                <a:pos x="connsiteX4" y="connsiteY4"/>
+              </a:cxn>
+            </a:cxnLst>
+            <a:rect l="l" t="t" r="r" b="b"/>
+            <a:pathLst>
+              <a:path w="335507" h="372483">
+                <a:moveTo>
+                  <a:pt x="0" y="103616"/>
+                </a:moveTo>
+                <a:cubicBezTo>
+                  <a:pt x="26193" y="31903"/>
+                  <a:pt x="52305" y="-2622"/>
+                  <a:pt x="158229" y="156"/>
+                </a:cubicBezTo>
+                <a:cubicBezTo>
+                  <a:pt x="264153" y="2934"/>
+                  <a:pt x="335507" y="79526"/>
+                  <a:pt x="335507" y="177434"/>
+                </a:cubicBezTo>
+                <a:cubicBezTo>
+                  <a:pt x="335507" y="275342"/>
+                  <a:pt x="306233" y="361299"/>
+                  <a:pt x="189186" y="371380"/>
+                </a:cubicBezTo>
+                <a:cubicBezTo>
+                  <a:pt x="72139" y="381461"/>
+                  <a:pt x="25174" y="320586"/>
+                  <a:pt x="4695" y="266493"/>
+                </a:cubicBezTo>
+              </a:path>
+            </a:pathLst>
+          </a:custGeom>
+          <a:noFill/>
+          <a:ln w="38100">
+            <a:solidFill>
+              <a:schemeClr val="accent1"/>
+            </a:solidFill>
+            <a:headEnd type="triangle"/>
+          </a:ln>
+        </p:spPr>
+        <p:style>
+          <a:lnRef idx="2">
+            <a:schemeClr val="accent1">
+              <a:shade val="50000"/>
+            </a:schemeClr>
+          </a:lnRef>
+          <a:fillRef idx="1">
+            <a:schemeClr val="accent1"/>
+          </a:fillRef>
+          <a:effectRef idx="0">
+            <a:schemeClr val="accent1"/>
+          </a:effectRef>
+          <a:fontRef idx="minor">
+            <a:schemeClr val="lt1"/>
+          </a:fontRef>
+        </p:style>
+        <p:txBody>
+          <a:bodyPr rot="0" spcFirstLastPara="0" vertOverflow="overflow" horzOverflow="overflow" vert="horz" wrap="square" lIns="91440" tIns="45720" rIns="91440" bIns="45720" numCol="1" spcCol="0" rtlCol="0" fromWordArt="0" anchor="ctr" anchorCtr="0" forceAA="0" compatLnSpc="1">
+            <a:prstTxWarp prst="textNoShape">
               <a:avLst/>
-            </a:prstGeom>
-            <a:ln w="38100">
-              <a:solidFill>
-                <a:srgbClr val="C00000"/>
-              </a:solidFill>
-              <a:tailEnd type="triangle" w="lg" len="lg"/>
-            </a:ln>
-          </p:spPr>
-          <p:style>
-            <a:lnRef idx="1">
+            </a:prstTxWarp>
+            <a:noAutofit/>
+          </a:bodyPr>
+          <a:lstStyle/>
+          <a:p>
+            <a:pPr algn="ctr"/>
+            <a:endParaRPr lang="fr-FR"/>
+          </a:p>
+        </p:txBody>
+      </p:sp>
+      <p:sp>
+        <p:nvSpPr>
+          <p:cNvPr id="18" name="Ellipse 16">
+            <a:extLst>
+              <a:ext uri="{FF2B5EF4-FFF2-40B4-BE49-F238E27FC236}">
+                <a16:creationId xmlns:a16="http://schemas.microsoft.com/office/drawing/2014/main" id="{9BD72901-C506-4E71-8BD3-E81B959BE6ED}"/>
+              </a:ext>
+            </a:extLst>
+          </p:cNvPr>
+          <p:cNvSpPr/>
+          <p:nvPr/>
+        </p:nvSpPr>
+        <p:spPr>
+          <a:xfrm rot="15283673" flipH="1">
+            <a:off x="590583" y="1734614"/>
+            <a:ext cx="224895" cy="177155"/>
+          </a:xfrm>
+          <a:custGeom>
+            <a:avLst/>
+            <a:gdLst>
+              <a:gd name="connsiteX0" fmla="*/ 0 w 354556"/>
+              <a:gd name="connsiteY0" fmla="*/ 177278 h 354556"/>
+              <a:gd name="connsiteX1" fmla="*/ 177278 w 354556"/>
+              <a:gd name="connsiteY1" fmla="*/ 0 h 354556"/>
+              <a:gd name="connsiteX2" fmla="*/ 354556 w 354556"/>
+              <a:gd name="connsiteY2" fmla="*/ 177278 h 354556"/>
+              <a:gd name="connsiteX3" fmla="*/ 177278 w 354556"/>
+              <a:gd name="connsiteY3" fmla="*/ 354556 h 354556"/>
+              <a:gd name="connsiteX4" fmla="*/ 0 w 354556"/>
+              <a:gd name="connsiteY4" fmla="*/ 177278 h 354556"/>
+              <a:gd name="connsiteX0" fmla="*/ 0 w 354556"/>
+              <a:gd name="connsiteY0" fmla="*/ 177278 h 354556"/>
+              <a:gd name="connsiteX1" fmla="*/ 177278 w 354556"/>
+              <a:gd name="connsiteY1" fmla="*/ 0 h 354556"/>
+              <a:gd name="connsiteX2" fmla="*/ 354556 w 354556"/>
+              <a:gd name="connsiteY2" fmla="*/ 177278 h 354556"/>
+              <a:gd name="connsiteX3" fmla="*/ 177278 w 354556"/>
+              <a:gd name="connsiteY3" fmla="*/ 354556 h 354556"/>
+              <a:gd name="connsiteX4" fmla="*/ 91440 w 354556"/>
+              <a:gd name="connsiteY4" fmla="*/ 268718 h 354556"/>
+              <a:gd name="connsiteX0" fmla="*/ 0 w 354556"/>
+              <a:gd name="connsiteY0" fmla="*/ 177278 h 356214"/>
+              <a:gd name="connsiteX1" fmla="*/ 177278 w 354556"/>
+              <a:gd name="connsiteY1" fmla="*/ 0 h 356214"/>
+              <a:gd name="connsiteX2" fmla="*/ 354556 w 354556"/>
+              <a:gd name="connsiteY2" fmla="*/ 177278 h 356214"/>
+              <a:gd name="connsiteX3" fmla="*/ 177278 w 354556"/>
+              <a:gd name="connsiteY3" fmla="*/ 354556 h 356214"/>
+              <a:gd name="connsiteX4" fmla="*/ 26125 w 354556"/>
+              <a:gd name="connsiteY4" fmla="*/ 268718 h 356214"/>
+              <a:gd name="connsiteX0" fmla="*/ 0 w 354556"/>
+              <a:gd name="connsiteY0" fmla="*/ 177278 h 357465"/>
+              <a:gd name="connsiteX1" fmla="*/ 177278 w 354556"/>
+              <a:gd name="connsiteY1" fmla="*/ 0 h 357465"/>
+              <a:gd name="connsiteX2" fmla="*/ 354556 w 354556"/>
+              <a:gd name="connsiteY2" fmla="*/ 177278 h 357465"/>
+              <a:gd name="connsiteX3" fmla="*/ 177278 w 354556"/>
+              <a:gd name="connsiteY3" fmla="*/ 354556 h 357465"/>
+              <a:gd name="connsiteX4" fmla="*/ 26125 w 354556"/>
+              <a:gd name="connsiteY4" fmla="*/ 268718 h 357465"/>
+              <a:gd name="connsiteX0" fmla="*/ 0 w 354556"/>
+              <a:gd name="connsiteY0" fmla="*/ 177278 h 357465"/>
+              <a:gd name="connsiteX1" fmla="*/ 177278 w 354556"/>
+              <a:gd name="connsiteY1" fmla="*/ 0 h 357465"/>
+              <a:gd name="connsiteX2" fmla="*/ 354556 w 354556"/>
+              <a:gd name="connsiteY2" fmla="*/ 177278 h 357465"/>
+              <a:gd name="connsiteX3" fmla="*/ 177278 w 354556"/>
+              <a:gd name="connsiteY3" fmla="*/ 354556 h 357465"/>
+              <a:gd name="connsiteX4" fmla="*/ 9457 w 354556"/>
+              <a:gd name="connsiteY4" fmla="*/ 268718 h 357465"/>
+              <a:gd name="connsiteX0" fmla="*/ 0 w 354556"/>
+              <a:gd name="connsiteY0" fmla="*/ 177278 h 357246"/>
+              <a:gd name="connsiteX1" fmla="*/ 177278 w 354556"/>
+              <a:gd name="connsiteY1" fmla="*/ 0 h 357246"/>
+              <a:gd name="connsiteX2" fmla="*/ 354556 w 354556"/>
+              <a:gd name="connsiteY2" fmla="*/ 177278 h 357246"/>
+              <a:gd name="connsiteX3" fmla="*/ 177278 w 354556"/>
+              <a:gd name="connsiteY3" fmla="*/ 354556 h 357246"/>
+              <a:gd name="connsiteX4" fmla="*/ 23744 w 354556"/>
+              <a:gd name="connsiteY4" fmla="*/ 266337 h 357246"/>
+              <a:gd name="connsiteX0" fmla="*/ 0 w 354556"/>
+              <a:gd name="connsiteY0" fmla="*/ 177278 h 357246"/>
+              <a:gd name="connsiteX1" fmla="*/ 177278 w 354556"/>
+              <a:gd name="connsiteY1" fmla="*/ 0 h 357246"/>
+              <a:gd name="connsiteX2" fmla="*/ 354556 w 354556"/>
+              <a:gd name="connsiteY2" fmla="*/ 177278 h 357246"/>
+              <a:gd name="connsiteX3" fmla="*/ 177278 w 354556"/>
+              <a:gd name="connsiteY3" fmla="*/ 354556 h 357246"/>
+              <a:gd name="connsiteX4" fmla="*/ 23744 w 354556"/>
+              <a:gd name="connsiteY4" fmla="*/ 266337 h 357246"/>
+              <a:gd name="connsiteX0" fmla="*/ 0 w 340269"/>
+              <a:gd name="connsiteY0" fmla="*/ 132898 h 358109"/>
+              <a:gd name="connsiteX1" fmla="*/ 162991 w 340269"/>
+              <a:gd name="connsiteY1" fmla="*/ 863 h 358109"/>
+              <a:gd name="connsiteX2" fmla="*/ 340269 w 340269"/>
+              <a:gd name="connsiteY2" fmla="*/ 178141 h 358109"/>
+              <a:gd name="connsiteX3" fmla="*/ 162991 w 340269"/>
+              <a:gd name="connsiteY3" fmla="*/ 355419 h 358109"/>
+              <a:gd name="connsiteX4" fmla="*/ 9457 w 340269"/>
+              <a:gd name="connsiteY4" fmla="*/ 267200 h 358109"/>
+              <a:gd name="connsiteX0" fmla="*/ 0 w 340269"/>
+              <a:gd name="connsiteY0" fmla="*/ 132862 h 358073"/>
+              <a:gd name="connsiteX1" fmla="*/ 162991 w 340269"/>
+              <a:gd name="connsiteY1" fmla="*/ 827 h 358073"/>
+              <a:gd name="connsiteX2" fmla="*/ 340269 w 340269"/>
+              <a:gd name="connsiteY2" fmla="*/ 178105 h 358073"/>
+              <a:gd name="connsiteX3" fmla="*/ 162991 w 340269"/>
+              <a:gd name="connsiteY3" fmla="*/ 355383 h 358073"/>
+              <a:gd name="connsiteX4" fmla="*/ 9457 w 340269"/>
+              <a:gd name="connsiteY4" fmla="*/ 267164 h 358073"/>
+              <a:gd name="connsiteX0" fmla="*/ 0 w 340269"/>
+              <a:gd name="connsiteY0" fmla="*/ 132828 h 358039"/>
+              <a:gd name="connsiteX1" fmla="*/ 162991 w 340269"/>
+              <a:gd name="connsiteY1" fmla="*/ 793 h 358039"/>
+              <a:gd name="connsiteX2" fmla="*/ 340269 w 340269"/>
+              <a:gd name="connsiteY2" fmla="*/ 178071 h 358039"/>
+              <a:gd name="connsiteX3" fmla="*/ 162991 w 340269"/>
+              <a:gd name="connsiteY3" fmla="*/ 355349 h 358039"/>
+              <a:gd name="connsiteX4" fmla="*/ 9457 w 340269"/>
+              <a:gd name="connsiteY4" fmla="*/ 267130 h 358039"/>
+              <a:gd name="connsiteX0" fmla="*/ 0 w 340269"/>
+              <a:gd name="connsiteY0" fmla="*/ 132038 h 357249"/>
+              <a:gd name="connsiteX1" fmla="*/ 162991 w 340269"/>
+              <a:gd name="connsiteY1" fmla="*/ 3 h 357249"/>
+              <a:gd name="connsiteX2" fmla="*/ 340269 w 340269"/>
+              <a:gd name="connsiteY2" fmla="*/ 177281 h 357249"/>
+              <a:gd name="connsiteX3" fmla="*/ 162991 w 340269"/>
+              <a:gd name="connsiteY3" fmla="*/ 354559 h 357249"/>
+              <a:gd name="connsiteX4" fmla="*/ 9457 w 340269"/>
+              <a:gd name="connsiteY4" fmla="*/ 266340 h 357249"/>
+              <a:gd name="connsiteX0" fmla="*/ 0 w 340269"/>
+              <a:gd name="connsiteY0" fmla="*/ 132038 h 354711"/>
+              <a:gd name="connsiteX1" fmla="*/ 162991 w 340269"/>
+              <a:gd name="connsiteY1" fmla="*/ 3 h 354711"/>
+              <a:gd name="connsiteX2" fmla="*/ 340269 w 340269"/>
+              <a:gd name="connsiteY2" fmla="*/ 177281 h 354711"/>
+              <a:gd name="connsiteX3" fmla="*/ 162991 w 340269"/>
+              <a:gd name="connsiteY3" fmla="*/ 354559 h 354711"/>
+              <a:gd name="connsiteX4" fmla="*/ 9457 w 340269"/>
+              <a:gd name="connsiteY4" fmla="*/ 266340 h 354711"/>
+              <a:gd name="connsiteX0" fmla="*/ 0 w 335507"/>
+              <a:gd name="connsiteY0" fmla="*/ 106538 h 357786"/>
+              <a:gd name="connsiteX1" fmla="*/ 158229 w 335507"/>
+              <a:gd name="connsiteY1" fmla="*/ 3078 h 357786"/>
+              <a:gd name="connsiteX2" fmla="*/ 335507 w 335507"/>
+              <a:gd name="connsiteY2" fmla="*/ 180356 h 357786"/>
+              <a:gd name="connsiteX3" fmla="*/ 158229 w 335507"/>
+              <a:gd name="connsiteY3" fmla="*/ 357634 h 357786"/>
+              <a:gd name="connsiteX4" fmla="*/ 4695 w 335507"/>
+              <a:gd name="connsiteY4" fmla="*/ 269415 h 357786"/>
+              <a:gd name="connsiteX0" fmla="*/ 0 w 335507"/>
+              <a:gd name="connsiteY0" fmla="*/ 105514 h 356762"/>
+              <a:gd name="connsiteX1" fmla="*/ 158229 w 335507"/>
+              <a:gd name="connsiteY1" fmla="*/ 2054 h 356762"/>
+              <a:gd name="connsiteX2" fmla="*/ 335507 w 335507"/>
+              <a:gd name="connsiteY2" fmla="*/ 179332 h 356762"/>
+              <a:gd name="connsiteX3" fmla="*/ 158229 w 335507"/>
+              <a:gd name="connsiteY3" fmla="*/ 356610 h 356762"/>
+              <a:gd name="connsiteX4" fmla="*/ 4695 w 335507"/>
+              <a:gd name="connsiteY4" fmla="*/ 268391 h 356762"/>
+              <a:gd name="connsiteX0" fmla="*/ 0 w 335507"/>
+              <a:gd name="connsiteY0" fmla="*/ 103616 h 354864"/>
+              <a:gd name="connsiteX1" fmla="*/ 158229 w 335507"/>
+              <a:gd name="connsiteY1" fmla="*/ 156 h 354864"/>
+              <a:gd name="connsiteX2" fmla="*/ 335507 w 335507"/>
+              <a:gd name="connsiteY2" fmla="*/ 177434 h 354864"/>
+              <a:gd name="connsiteX3" fmla="*/ 158229 w 335507"/>
+              <a:gd name="connsiteY3" fmla="*/ 354712 h 354864"/>
+              <a:gd name="connsiteX4" fmla="*/ 4695 w 335507"/>
+              <a:gd name="connsiteY4" fmla="*/ 266493 h 354864"/>
+              <a:gd name="connsiteX0" fmla="*/ 0 w 335507"/>
+              <a:gd name="connsiteY0" fmla="*/ 103616 h 354864"/>
+              <a:gd name="connsiteX1" fmla="*/ 158229 w 335507"/>
+              <a:gd name="connsiteY1" fmla="*/ 156 h 354864"/>
+              <a:gd name="connsiteX2" fmla="*/ 335507 w 335507"/>
+              <a:gd name="connsiteY2" fmla="*/ 177434 h 354864"/>
+              <a:gd name="connsiteX3" fmla="*/ 158229 w 335507"/>
+              <a:gd name="connsiteY3" fmla="*/ 354712 h 354864"/>
+              <a:gd name="connsiteX4" fmla="*/ 4695 w 335507"/>
+              <a:gd name="connsiteY4" fmla="*/ 266493 h 354864"/>
+              <a:gd name="connsiteX0" fmla="*/ 0 w 335507"/>
+              <a:gd name="connsiteY0" fmla="*/ 103616 h 354864"/>
+              <a:gd name="connsiteX1" fmla="*/ 158229 w 335507"/>
+              <a:gd name="connsiteY1" fmla="*/ 156 h 354864"/>
+              <a:gd name="connsiteX2" fmla="*/ 335507 w 335507"/>
+              <a:gd name="connsiteY2" fmla="*/ 177434 h 354864"/>
+              <a:gd name="connsiteX3" fmla="*/ 158229 w 335507"/>
+              <a:gd name="connsiteY3" fmla="*/ 354712 h 354864"/>
+              <a:gd name="connsiteX4" fmla="*/ 4695 w 335507"/>
+              <a:gd name="connsiteY4" fmla="*/ 266493 h 354864"/>
+              <a:gd name="connsiteX0" fmla="*/ 0 w 335507"/>
+              <a:gd name="connsiteY0" fmla="*/ 103616 h 354864"/>
+              <a:gd name="connsiteX1" fmla="*/ 158229 w 335507"/>
+              <a:gd name="connsiteY1" fmla="*/ 156 h 354864"/>
+              <a:gd name="connsiteX2" fmla="*/ 335507 w 335507"/>
+              <a:gd name="connsiteY2" fmla="*/ 177434 h 354864"/>
+              <a:gd name="connsiteX3" fmla="*/ 158229 w 335507"/>
+              <a:gd name="connsiteY3" fmla="*/ 354712 h 354864"/>
+              <a:gd name="connsiteX4" fmla="*/ 4695 w 335507"/>
+              <a:gd name="connsiteY4" fmla="*/ 266493 h 354864"/>
+              <a:gd name="connsiteX0" fmla="*/ 0 w 335507"/>
+              <a:gd name="connsiteY0" fmla="*/ 103616 h 355628"/>
+              <a:gd name="connsiteX1" fmla="*/ 158229 w 335507"/>
+              <a:gd name="connsiteY1" fmla="*/ 156 h 355628"/>
+              <a:gd name="connsiteX2" fmla="*/ 335507 w 335507"/>
+              <a:gd name="connsiteY2" fmla="*/ 177434 h 355628"/>
+              <a:gd name="connsiteX3" fmla="*/ 158229 w 335507"/>
+              <a:gd name="connsiteY3" fmla="*/ 354712 h 355628"/>
+              <a:gd name="connsiteX4" fmla="*/ 4695 w 335507"/>
+              <a:gd name="connsiteY4" fmla="*/ 266493 h 355628"/>
+              <a:gd name="connsiteX0" fmla="*/ 0 w 335507"/>
+              <a:gd name="connsiteY0" fmla="*/ 103616 h 372066"/>
+              <a:gd name="connsiteX1" fmla="*/ 158229 w 335507"/>
+              <a:gd name="connsiteY1" fmla="*/ 156 h 372066"/>
+              <a:gd name="connsiteX2" fmla="*/ 335507 w 335507"/>
+              <a:gd name="connsiteY2" fmla="*/ 177434 h 372066"/>
+              <a:gd name="connsiteX3" fmla="*/ 189186 w 335507"/>
+              <a:gd name="connsiteY3" fmla="*/ 371380 h 372066"/>
+              <a:gd name="connsiteX4" fmla="*/ 4695 w 335507"/>
+              <a:gd name="connsiteY4" fmla="*/ 266493 h 372066"/>
+              <a:gd name="connsiteX0" fmla="*/ 0 w 335507"/>
+              <a:gd name="connsiteY0" fmla="*/ 103616 h 372483"/>
+              <a:gd name="connsiteX1" fmla="*/ 158229 w 335507"/>
+              <a:gd name="connsiteY1" fmla="*/ 156 h 372483"/>
+              <a:gd name="connsiteX2" fmla="*/ 335507 w 335507"/>
+              <a:gd name="connsiteY2" fmla="*/ 177434 h 372483"/>
+              <a:gd name="connsiteX3" fmla="*/ 189186 w 335507"/>
+              <a:gd name="connsiteY3" fmla="*/ 371380 h 372483"/>
+              <a:gd name="connsiteX4" fmla="*/ 4695 w 335507"/>
+              <a:gd name="connsiteY4" fmla="*/ 266493 h 372483"/>
+            </a:gdLst>
+            <a:ahLst/>
+            <a:cxnLst>
+              <a:cxn ang="0">
+                <a:pos x="connsiteX0" y="connsiteY0"/>
+              </a:cxn>
+              <a:cxn ang="0">
+                <a:pos x="connsiteX1" y="connsiteY1"/>
+              </a:cxn>
+              <a:cxn ang="0">
+                <a:pos x="connsiteX2" y="connsiteY2"/>
+              </a:cxn>
+              <a:cxn ang="0">
+                <a:pos x="connsiteX3" y="connsiteY3"/>
+              </a:cxn>
+              <a:cxn ang="0">
+                <a:pos x="connsiteX4" y="connsiteY4"/>
+              </a:cxn>
+            </a:cxnLst>
+            <a:rect l="l" t="t" r="r" b="b"/>
+            <a:pathLst>
+              <a:path w="335507" h="372483">
+                <a:moveTo>
+                  <a:pt x="0" y="103616"/>
+                </a:moveTo>
+                <a:cubicBezTo>
+                  <a:pt x="26193" y="31903"/>
+                  <a:pt x="52305" y="-2622"/>
+                  <a:pt x="158229" y="156"/>
+                </a:cubicBezTo>
+                <a:cubicBezTo>
+                  <a:pt x="264153" y="2934"/>
+                  <a:pt x="335507" y="79526"/>
+                  <a:pt x="335507" y="177434"/>
+                </a:cubicBezTo>
+                <a:cubicBezTo>
+                  <a:pt x="335507" y="275342"/>
+                  <a:pt x="306233" y="361299"/>
+                  <a:pt x="189186" y="371380"/>
+                </a:cubicBezTo>
+                <a:cubicBezTo>
+                  <a:pt x="72139" y="381461"/>
+                  <a:pt x="25174" y="320586"/>
+                  <a:pt x="4695" y="266493"/>
+                </a:cubicBezTo>
+              </a:path>
+            </a:pathLst>
+          </a:custGeom>
+          <a:noFill/>
+          <a:ln w="38100">
+            <a:solidFill>
               <a:schemeClr val="accent1"/>
-            </a:lnRef>
-            <a:fillRef idx="0">
-              <a:schemeClr val="accent1"/>
-            </a:fillRef>
-            <a:effectRef idx="0">
-              <a:schemeClr val="accent1"/>
-            </a:effectRef>
-            <a:fontRef idx="minor">
-              <a:schemeClr val="tx1"/>
-            </a:fontRef>
-          </p:style>
-        </p:cxnSp>
-        <p:cxnSp>
-          <p:nvCxnSpPr>
-            <p:cNvPr id="10" name="Connecteur droit avec flèche 9">
-              <a:extLst>
-                <a:ext uri="{FF2B5EF4-FFF2-40B4-BE49-F238E27FC236}">
-                  <a16:creationId xmlns:a16="http://schemas.microsoft.com/office/drawing/2014/main" id="{09713857-793F-44A2-AC93-61FD9C9E2694}"/>
-                </a:ext>
-              </a:extLst>
-            </p:cNvPr>
-            <p:cNvCxnSpPr>
-              <a:cxnSpLocks/>
-              <a:stCxn id="20" idx="3"/>
-              <a:endCxn id="26" idx="7"/>
-            </p:cNvCxnSpPr>
-            <p:nvPr/>
-          </p:nvCxnSpPr>
-          <p:spPr>
-            <a:xfrm flipH="1">
-              <a:off x="4869153" y="1907152"/>
-              <a:ext cx="1091345" cy="1940428"/>
-            </a:xfrm>
-            <a:prstGeom prst="straightConnector1">
+            </a:solidFill>
+            <a:headEnd type="triangle"/>
+          </a:ln>
+        </p:spPr>
+        <p:style>
+          <a:lnRef idx="2">
+            <a:schemeClr val="accent1">
+              <a:shade val="50000"/>
+            </a:schemeClr>
+          </a:lnRef>
+          <a:fillRef idx="1">
+            <a:schemeClr val="accent1"/>
+          </a:fillRef>
+          <a:effectRef idx="0">
+            <a:schemeClr val="accent1"/>
+          </a:effectRef>
+          <a:fontRef idx="minor">
+            <a:schemeClr val="lt1"/>
+          </a:fontRef>
+        </p:style>
+        <p:txBody>
+          <a:bodyPr rot="0" spcFirstLastPara="0" vertOverflow="overflow" horzOverflow="overflow" vert="horz" wrap="square" lIns="91440" tIns="45720" rIns="91440" bIns="45720" numCol="1" spcCol="0" rtlCol="0" fromWordArt="0" anchor="ctr" anchorCtr="0" forceAA="0" compatLnSpc="1">
+            <a:prstTxWarp prst="textNoShape">
               <a:avLst/>
-            </a:prstGeom>
-            <a:ln w="38100">
-              <a:solidFill>
-                <a:schemeClr val="accent6"/>
-              </a:solidFill>
-              <a:tailEnd type="triangle" w="lg" len="lg"/>
-            </a:ln>
-          </p:spPr>
-          <p:style>
-            <a:lnRef idx="1">
-              <a:schemeClr val="accent1"/>
-            </a:lnRef>
-            <a:fillRef idx="0">
-              <a:schemeClr val="accent1"/>
-            </a:fillRef>
-            <a:effectRef idx="0">
-              <a:schemeClr val="accent1"/>
-            </a:effectRef>
-            <a:fontRef idx="minor">
-              <a:schemeClr val="tx1"/>
-            </a:fontRef>
-          </p:style>
-        </p:cxnSp>
-        <p:cxnSp>
-          <p:nvCxnSpPr>
-            <p:cNvPr id="14" name="Connecteur droit avec flèche 13">
-              <a:extLst>
-                <a:ext uri="{FF2B5EF4-FFF2-40B4-BE49-F238E27FC236}">
-                  <a16:creationId xmlns:a16="http://schemas.microsoft.com/office/drawing/2014/main" id="{AA03D353-96B4-49F0-B608-0785466B52FA}"/>
-                </a:ext>
-              </a:extLst>
-            </p:cNvPr>
-            <p:cNvCxnSpPr>
-              <a:cxnSpLocks/>
-              <a:stCxn id="21" idx="2"/>
-              <a:endCxn id="26" idx="6"/>
-            </p:cNvCxnSpPr>
-            <p:nvPr/>
-          </p:nvCxnSpPr>
-          <p:spPr>
-            <a:xfrm flipH="1">
-              <a:off x="4892401" y="3890545"/>
-              <a:ext cx="2240738" cy="13162"/>
-            </a:xfrm>
-            <a:prstGeom prst="straightConnector1">
+            </a:prstTxWarp>
+            <a:noAutofit/>
+          </a:bodyPr>
+          <a:lstStyle/>
+          <a:p>
+            <a:pPr algn="ctr"/>
+            <a:endParaRPr lang="fr-FR"/>
+          </a:p>
+        </p:txBody>
+      </p:sp>
+      <p:sp>
+        <p:nvSpPr>
+          <p:cNvPr id="19" name="Ellipse 16">
+            <a:extLst>
+              <a:ext uri="{FF2B5EF4-FFF2-40B4-BE49-F238E27FC236}">
+                <a16:creationId xmlns:a16="http://schemas.microsoft.com/office/drawing/2014/main" id="{414CAE31-3B34-42C9-B239-30688D982EC6}"/>
+              </a:ext>
+            </a:extLst>
+          </p:cNvPr>
+          <p:cNvSpPr/>
+          <p:nvPr/>
+        </p:nvSpPr>
+        <p:spPr>
+          <a:xfrm rot="11743407">
+            <a:off x="384059" y="1505261"/>
+            <a:ext cx="224895" cy="196086"/>
+          </a:xfrm>
+          <a:custGeom>
+            <a:avLst/>
+            <a:gdLst>
+              <a:gd name="connsiteX0" fmla="*/ 0 w 354556"/>
+              <a:gd name="connsiteY0" fmla="*/ 177278 h 354556"/>
+              <a:gd name="connsiteX1" fmla="*/ 177278 w 354556"/>
+              <a:gd name="connsiteY1" fmla="*/ 0 h 354556"/>
+              <a:gd name="connsiteX2" fmla="*/ 354556 w 354556"/>
+              <a:gd name="connsiteY2" fmla="*/ 177278 h 354556"/>
+              <a:gd name="connsiteX3" fmla="*/ 177278 w 354556"/>
+              <a:gd name="connsiteY3" fmla="*/ 354556 h 354556"/>
+              <a:gd name="connsiteX4" fmla="*/ 0 w 354556"/>
+              <a:gd name="connsiteY4" fmla="*/ 177278 h 354556"/>
+              <a:gd name="connsiteX0" fmla="*/ 0 w 354556"/>
+              <a:gd name="connsiteY0" fmla="*/ 177278 h 354556"/>
+              <a:gd name="connsiteX1" fmla="*/ 177278 w 354556"/>
+              <a:gd name="connsiteY1" fmla="*/ 0 h 354556"/>
+              <a:gd name="connsiteX2" fmla="*/ 354556 w 354556"/>
+              <a:gd name="connsiteY2" fmla="*/ 177278 h 354556"/>
+              <a:gd name="connsiteX3" fmla="*/ 177278 w 354556"/>
+              <a:gd name="connsiteY3" fmla="*/ 354556 h 354556"/>
+              <a:gd name="connsiteX4" fmla="*/ 91440 w 354556"/>
+              <a:gd name="connsiteY4" fmla="*/ 268718 h 354556"/>
+              <a:gd name="connsiteX0" fmla="*/ 0 w 354556"/>
+              <a:gd name="connsiteY0" fmla="*/ 177278 h 356214"/>
+              <a:gd name="connsiteX1" fmla="*/ 177278 w 354556"/>
+              <a:gd name="connsiteY1" fmla="*/ 0 h 356214"/>
+              <a:gd name="connsiteX2" fmla="*/ 354556 w 354556"/>
+              <a:gd name="connsiteY2" fmla="*/ 177278 h 356214"/>
+              <a:gd name="connsiteX3" fmla="*/ 177278 w 354556"/>
+              <a:gd name="connsiteY3" fmla="*/ 354556 h 356214"/>
+              <a:gd name="connsiteX4" fmla="*/ 26125 w 354556"/>
+              <a:gd name="connsiteY4" fmla="*/ 268718 h 356214"/>
+              <a:gd name="connsiteX0" fmla="*/ 0 w 354556"/>
+              <a:gd name="connsiteY0" fmla="*/ 177278 h 357465"/>
+              <a:gd name="connsiteX1" fmla="*/ 177278 w 354556"/>
+              <a:gd name="connsiteY1" fmla="*/ 0 h 357465"/>
+              <a:gd name="connsiteX2" fmla="*/ 354556 w 354556"/>
+              <a:gd name="connsiteY2" fmla="*/ 177278 h 357465"/>
+              <a:gd name="connsiteX3" fmla="*/ 177278 w 354556"/>
+              <a:gd name="connsiteY3" fmla="*/ 354556 h 357465"/>
+              <a:gd name="connsiteX4" fmla="*/ 26125 w 354556"/>
+              <a:gd name="connsiteY4" fmla="*/ 268718 h 357465"/>
+              <a:gd name="connsiteX0" fmla="*/ 0 w 354556"/>
+              <a:gd name="connsiteY0" fmla="*/ 177278 h 357465"/>
+              <a:gd name="connsiteX1" fmla="*/ 177278 w 354556"/>
+              <a:gd name="connsiteY1" fmla="*/ 0 h 357465"/>
+              <a:gd name="connsiteX2" fmla="*/ 354556 w 354556"/>
+              <a:gd name="connsiteY2" fmla="*/ 177278 h 357465"/>
+              <a:gd name="connsiteX3" fmla="*/ 177278 w 354556"/>
+              <a:gd name="connsiteY3" fmla="*/ 354556 h 357465"/>
+              <a:gd name="connsiteX4" fmla="*/ 9457 w 354556"/>
+              <a:gd name="connsiteY4" fmla="*/ 268718 h 357465"/>
+              <a:gd name="connsiteX0" fmla="*/ 0 w 354556"/>
+              <a:gd name="connsiteY0" fmla="*/ 177278 h 357246"/>
+              <a:gd name="connsiteX1" fmla="*/ 177278 w 354556"/>
+              <a:gd name="connsiteY1" fmla="*/ 0 h 357246"/>
+              <a:gd name="connsiteX2" fmla="*/ 354556 w 354556"/>
+              <a:gd name="connsiteY2" fmla="*/ 177278 h 357246"/>
+              <a:gd name="connsiteX3" fmla="*/ 177278 w 354556"/>
+              <a:gd name="connsiteY3" fmla="*/ 354556 h 357246"/>
+              <a:gd name="connsiteX4" fmla="*/ 23744 w 354556"/>
+              <a:gd name="connsiteY4" fmla="*/ 266337 h 357246"/>
+              <a:gd name="connsiteX0" fmla="*/ 0 w 354556"/>
+              <a:gd name="connsiteY0" fmla="*/ 177278 h 357246"/>
+              <a:gd name="connsiteX1" fmla="*/ 177278 w 354556"/>
+              <a:gd name="connsiteY1" fmla="*/ 0 h 357246"/>
+              <a:gd name="connsiteX2" fmla="*/ 354556 w 354556"/>
+              <a:gd name="connsiteY2" fmla="*/ 177278 h 357246"/>
+              <a:gd name="connsiteX3" fmla="*/ 177278 w 354556"/>
+              <a:gd name="connsiteY3" fmla="*/ 354556 h 357246"/>
+              <a:gd name="connsiteX4" fmla="*/ 23744 w 354556"/>
+              <a:gd name="connsiteY4" fmla="*/ 266337 h 357246"/>
+              <a:gd name="connsiteX0" fmla="*/ 0 w 340269"/>
+              <a:gd name="connsiteY0" fmla="*/ 132898 h 358109"/>
+              <a:gd name="connsiteX1" fmla="*/ 162991 w 340269"/>
+              <a:gd name="connsiteY1" fmla="*/ 863 h 358109"/>
+              <a:gd name="connsiteX2" fmla="*/ 340269 w 340269"/>
+              <a:gd name="connsiteY2" fmla="*/ 178141 h 358109"/>
+              <a:gd name="connsiteX3" fmla="*/ 162991 w 340269"/>
+              <a:gd name="connsiteY3" fmla="*/ 355419 h 358109"/>
+              <a:gd name="connsiteX4" fmla="*/ 9457 w 340269"/>
+              <a:gd name="connsiteY4" fmla="*/ 267200 h 358109"/>
+              <a:gd name="connsiteX0" fmla="*/ 0 w 340269"/>
+              <a:gd name="connsiteY0" fmla="*/ 132862 h 358073"/>
+              <a:gd name="connsiteX1" fmla="*/ 162991 w 340269"/>
+              <a:gd name="connsiteY1" fmla="*/ 827 h 358073"/>
+              <a:gd name="connsiteX2" fmla="*/ 340269 w 340269"/>
+              <a:gd name="connsiteY2" fmla="*/ 178105 h 358073"/>
+              <a:gd name="connsiteX3" fmla="*/ 162991 w 340269"/>
+              <a:gd name="connsiteY3" fmla="*/ 355383 h 358073"/>
+              <a:gd name="connsiteX4" fmla="*/ 9457 w 340269"/>
+              <a:gd name="connsiteY4" fmla="*/ 267164 h 358073"/>
+              <a:gd name="connsiteX0" fmla="*/ 0 w 340269"/>
+              <a:gd name="connsiteY0" fmla="*/ 132828 h 358039"/>
+              <a:gd name="connsiteX1" fmla="*/ 162991 w 340269"/>
+              <a:gd name="connsiteY1" fmla="*/ 793 h 358039"/>
+              <a:gd name="connsiteX2" fmla="*/ 340269 w 340269"/>
+              <a:gd name="connsiteY2" fmla="*/ 178071 h 358039"/>
+              <a:gd name="connsiteX3" fmla="*/ 162991 w 340269"/>
+              <a:gd name="connsiteY3" fmla="*/ 355349 h 358039"/>
+              <a:gd name="connsiteX4" fmla="*/ 9457 w 340269"/>
+              <a:gd name="connsiteY4" fmla="*/ 267130 h 358039"/>
+              <a:gd name="connsiteX0" fmla="*/ 0 w 340269"/>
+              <a:gd name="connsiteY0" fmla="*/ 132038 h 357249"/>
+              <a:gd name="connsiteX1" fmla="*/ 162991 w 340269"/>
+              <a:gd name="connsiteY1" fmla="*/ 3 h 357249"/>
+              <a:gd name="connsiteX2" fmla="*/ 340269 w 340269"/>
+              <a:gd name="connsiteY2" fmla="*/ 177281 h 357249"/>
+              <a:gd name="connsiteX3" fmla="*/ 162991 w 340269"/>
+              <a:gd name="connsiteY3" fmla="*/ 354559 h 357249"/>
+              <a:gd name="connsiteX4" fmla="*/ 9457 w 340269"/>
+              <a:gd name="connsiteY4" fmla="*/ 266340 h 357249"/>
+              <a:gd name="connsiteX0" fmla="*/ 0 w 340269"/>
+              <a:gd name="connsiteY0" fmla="*/ 132038 h 354711"/>
+              <a:gd name="connsiteX1" fmla="*/ 162991 w 340269"/>
+              <a:gd name="connsiteY1" fmla="*/ 3 h 354711"/>
+              <a:gd name="connsiteX2" fmla="*/ 340269 w 340269"/>
+              <a:gd name="connsiteY2" fmla="*/ 177281 h 354711"/>
+              <a:gd name="connsiteX3" fmla="*/ 162991 w 340269"/>
+              <a:gd name="connsiteY3" fmla="*/ 354559 h 354711"/>
+              <a:gd name="connsiteX4" fmla="*/ 9457 w 340269"/>
+              <a:gd name="connsiteY4" fmla="*/ 266340 h 354711"/>
+              <a:gd name="connsiteX0" fmla="*/ 0 w 335507"/>
+              <a:gd name="connsiteY0" fmla="*/ 106538 h 357786"/>
+              <a:gd name="connsiteX1" fmla="*/ 158229 w 335507"/>
+              <a:gd name="connsiteY1" fmla="*/ 3078 h 357786"/>
+              <a:gd name="connsiteX2" fmla="*/ 335507 w 335507"/>
+              <a:gd name="connsiteY2" fmla="*/ 180356 h 357786"/>
+              <a:gd name="connsiteX3" fmla="*/ 158229 w 335507"/>
+              <a:gd name="connsiteY3" fmla="*/ 357634 h 357786"/>
+              <a:gd name="connsiteX4" fmla="*/ 4695 w 335507"/>
+              <a:gd name="connsiteY4" fmla="*/ 269415 h 357786"/>
+              <a:gd name="connsiteX0" fmla="*/ 0 w 335507"/>
+              <a:gd name="connsiteY0" fmla="*/ 105514 h 356762"/>
+              <a:gd name="connsiteX1" fmla="*/ 158229 w 335507"/>
+              <a:gd name="connsiteY1" fmla="*/ 2054 h 356762"/>
+              <a:gd name="connsiteX2" fmla="*/ 335507 w 335507"/>
+              <a:gd name="connsiteY2" fmla="*/ 179332 h 356762"/>
+              <a:gd name="connsiteX3" fmla="*/ 158229 w 335507"/>
+              <a:gd name="connsiteY3" fmla="*/ 356610 h 356762"/>
+              <a:gd name="connsiteX4" fmla="*/ 4695 w 335507"/>
+              <a:gd name="connsiteY4" fmla="*/ 268391 h 356762"/>
+              <a:gd name="connsiteX0" fmla="*/ 0 w 335507"/>
+              <a:gd name="connsiteY0" fmla="*/ 103616 h 354864"/>
+              <a:gd name="connsiteX1" fmla="*/ 158229 w 335507"/>
+              <a:gd name="connsiteY1" fmla="*/ 156 h 354864"/>
+              <a:gd name="connsiteX2" fmla="*/ 335507 w 335507"/>
+              <a:gd name="connsiteY2" fmla="*/ 177434 h 354864"/>
+              <a:gd name="connsiteX3" fmla="*/ 158229 w 335507"/>
+              <a:gd name="connsiteY3" fmla="*/ 354712 h 354864"/>
+              <a:gd name="connsiteX4" fmla="*/ 4695 w 335507"/>
+              <a:gd name="connsiteY4" fmla="*/ 266493 h 354864"/>
+              <a:gd name="connsiteX0" fmla="*/ 0 w 335507"/>
+              <a:gd name="connsiteY0" fmla="*/ 103616 h 354864"/>
+              <a:gd name="connsiteX1" fmla="*/ 158229 w 335507"/>
+              <a:gd name="connsiteY1" fmla="*/ 156 h 354864"/>
+              <a:gd name="connsiteX2" fmla="*/ 335507 w 335507"/>
+              <a:gd name="connsiteY2" fmla="*/ 177434 h 354864"/>
+              <a:gd name="connsiteX3" fmla="*/ 158229 w 335507"/>
+              <a:gd name="connsiteY3" fmla="*/ 354712 h 354864"/>
+              <a:gd name="connsiteX4" fmla="*/ 4695 w 335507"/>
+              <a:gd name="connsiteY4" fmla="*/ 266493 h 354864"/>
+              <a:gd name="connsiteX0" fmla="*/ 0 w 335507"/>
+              <a:gd name="connsiteY0" fmla="*/ 103616 h 354864"/>
+              <a:gd name="connsiteX1" fmla="*/ 158229 w 335507"/>
+              <a:gd name="connsiteY1" fmla="*/ 156 h 354864"/>
+              <a:gd name="connsiteX2" fmla="*/ 335507 w 335507"/>
+              <a:gd name="connsiteY2" fmla="*/ 177434 h 354864"/>
+              <a:gd name="connsiteX3" fmla="*/ 158229 w 335507"/>
+              <a:gd name="connsiteY3" fmla="*/ 354712 h 354864"/>
+              <a:gd name="connsiteX4" fmla="*/ 4695 w 335507"/>
+              <a:gd name="connsiteY4" fmla="*/ 266493 h 354864"/>
+              <a:gd name="connsiteX0" fmla="*/ 0 w 335507"/>
+              <a:gd name="connsiteY0" fmla="*/ 103616 h 354864"/>
+              <a:gd name="connsiteX1" fmla="*/ 158229 w 335507"/>
+              <a:gd name="connsiteY1" fmla="*/ 156 h 354864"/>
+              <a:gd name="connsiteX2" fmla="*/ 335507 w 335507"/>
+              <a:gd name="connsiteY2" fmla="*/ 177434 h 354864"/>
+              <a:gd name="connsiteX3" fmla="*/ 158229 w 335507"/>
+              <a:gd name="connsiteY3" fmla="*/ 354712 h 354864"/>
+              <a:gd name="connsiteX4" fmla="*/ 4695 w 335507"/>
+              <a:gd name="connsiteY4" fmla="*/ 266493 h 354864"/>
+              <a:gd name="connsiteX0" fmla="*/ 0 w 335507"/>
+              <a:gd name="connsiteY0" fmla="*/ 103616 h 355628"/>
+              <a:gd name="connsiteX1" fmla="*/ 158229 w 335507"/>
+              <a:gd name="connsiteY1" fmla="*/ 156 h 355628"/>
+              <a:gd name="connsiteX2" fmla="*/ 335507 w 335507"/>
+              <a:gd name="connsiteY2" fmla="*/ 177434 h 355628"/>
+              <a:gd name="connsiteX3" fmla="*/ 158229 w 335507"/>
+              <a:gd name="connsiteY3" fmla="*/ 354712 h 355628"/>
+              <a:gd name="connsiteX4" fmla="*/ 4695 w 335507"/>
+              <a:gd name="connsiteY4" fmla="*/ 266493 h 355628"/>
+              <a:gd name="connsiteX0" fmla="*/ 0 w 335507"/>
+              <a:gd name="connsiteY0" fmla="*/ 103616 h 372066"/>
+              <a:gd name="connsiteX1" fmla="*/ 158229 w 335507"/>
+              <a:gd name="connsiteY1" fmla="*/ 156 h 372066"/>
+              <a:gd name="connsiteX2" fmla="*/ 335507 w 335507"/>
+              <a:gd name="connsiteY2" fmla="*/ 177434 h 372066"/>
+              <a:gd name="connsiteX3" fmla="*/ 189186 w 335507"/>
+              <a:gd name="connsiteY3" fmla="*/ 371380 h 372066"/>
+              <a:gd name="connsiteX4" fmla="*/ 4695 w 335507"/>
+              <a:gd name="connsiteY4" fmla="*/ 266493 h 372066"/>
+              <a:gd name="connsiteX0" fmla="*/ 0 w 335507"/>
+              <a:gd name="connsiteY0" fmla="*/ 103616 h 372483"/>
+              <a:gd name="connsiteX1" fmla="*/ 158229 w 335507"/>
+              <a:gd name="connsiteY1" fmla="*/ 156 h 372483"/>
+              <a:gd name="connsiteX2" fmla="*/ 335507 w 335507"/>
+              <a:gd name="connsiteY2" fmla="*/ 177434 h 372483"/>
+              <a:gd name="connsiteX3" fmla="*/ 189186 w 335507"/>
+              <a:gd name="connsiteY3" fmla="*/ 371380 h 372483"/>
+              <a:gd name="connsiteX4" fmla="*/ 4695 w 335507"/>
+              <a:gd name="connsiteY4" fmla="*/ 266493 h 372483"/>
+            </a:gdLst>
+            <a:ahLst/>
+            <a:cxnLst>
+              <a:cxn ang="0">
+                <a:pos x="connsiteX0" y="connsiteY0"/>
+              </a:cxn>
+              <a:cxn ang="0">
+                <a:pos x="connsiteX1" y="connsiteY1"/>
+              </a:cxn>
+              <a:cxn ang="0">
+                <a:pos x="connsiteX2" y="connsiteY2"/>
+              </a:cxn>
+              <a:cxn ang="0">
+                <a:pos x="connsiteX3" y="connsiteY3"/>
+              </a:cxn>
+              <a:cxn ang="0">
+                <a:pos x="connsiteX4" y="connsiteY4"/>
+              </a:cxn>
+            </a:cxnLst>
+            <a:rect l="l" t="t" r="r" b="b"/>
+            <a:pathLst>
+              <a:path w="335507" h="372483">
+                <a:moveTo>
+                  <a:pt x="0" y="103616"/>
+                </a:moveTo>
+                <a:cubicBezTo>
+                  <a:pt x="26193" y="31903"/>
+                  <a:pt x="52305" y="-2622"/>
+                  <a:pt x="158229" y="156"/>
+                </a:cubicBezTo>
+                <a:cubicBezTo>
+                  <a:pt x="264153" y="2934"/>
+                  <a:pt x="335507" y="79526"/>
+                  <a:pt x="335507" y="177434"/>
+                </a:cubicBezTo>
+                <a:cubicBezTo>
+                  <a:pt x="335507" y="275342"/>
+                  <a:pt x="306233" y="361299"/>
+                  <a:pt x="189186" y="371380"/>
+                </a:cubicBezTo>
+                <a:cubicBezTo>
+                  <a:pt x="72139" y="381461"/>
+                  <a:pt x="25174" y="320586"/>
+                  <a:pt x="4695" y="266493"/>
+                </a:cubicBezTo>
+              </a:path>
+            </a:pathLst>
+          </a:custGeom>
+          <a:noFill/>
+          <a:ln w="38100">
+            <a:solidFill>
+              <a:schemeClr val="accent3"/>
+            </a:solidFill>
+            <a:headEnd type="triangle"/>
+          </a:ln>
+        </p:spPr>
+        <p:style>
+          <a:lnRef idx="2">
+            <a:schemeClr val="accent1">
+              <a:shade val="50000"/>
+            </a:schemeClr>
+          </a:lnRef>
+          <a:fillRef idx="1">
+            <a:schemeClr val="accent1"/>
+          </a:fillRef>
+          <a:effectRef idx="0">
+            <a:schemeClr val="accent1"/>
+          </a:effectRef>
+          <a:fontRef idx="minor">
+            <a:schemeClr val="lt1"/>
+          </a:fontRef>
+        </p:style>
+        <p:txBody>
+          <a:bodyPr rot="0" spcFirstLastPara="0" vertOverflow="overflow" horzOverflow="overflow" vert="horz" wrap="square" lIns="91440" tIns="45720" rIns="91440" bIns="45720" numCol="1" spcCol="0" rtlCol="0" fromWordArt="0" anchor="ctr" anchorCtr="0" forceAA="0" compatLnSpc="1">
+            <a:prstTxWarp prst="textNoShape">
               <a:avLst/>
-            </a:prstGeom>
-            <a:ln w="38100">
-              <a:solidFill>
-                <a:schemeClr val="accent6"/>
-              </a:solidFill>
-              <a:tailEnd type="triangle" w="lg" len="lg"/>
-            </a:ln>
-          </p:spPr>
-          <p:style>
-            <a:lnRef idx="1">
-              <a:schemeClr val="accent1"/>
-            </a:lnRef>
-            <a:fillRef idx="0">
-              <a:schemeClr val="accent1"/>
-            </a:fillRef>
-            <a:effectRef idx="0">
-              <a:schemeClr val="accent1"/>
-            </a:effectRef>
-            <a:fontRef idx="minor">
-              <a:schemeClr val="tx1"/>
-            </a:fontRef>
-          </p:style>
-        </p:cxnSp>
-        <p:sp>
-          <p:nvSpPr>
-            <p:cNvPr id="17" name="Ellipse 16">
-              <a:extLst>
-                <a:ext uri="{FF2B5EF4-FFF2-40B4-BE49-F238E27FC236}">
-                  <a16:creationId xmlns:a16="http://schemas.microsoft.com/office/drawing/2014/main" id="{0BAEB1F1-E3EA-4B25-8988-32D9EA14EE65}"/>
-                </a:ext>
-              </a:extLst>
-            </p:cNvPr>
-            <p:cNvSpPr/>
-            <p:nvPr/>
-          </p:nvSpPr>
-          <p:spPr>
-            <a:xfrm>
-              <a:off x="7244129" y="3717466"/>
-              <a:ext cx="335507" cy="372483"/>
-            </a:xfrm>
-            <a:custGeom>
+            </a:prstTxWarp>
+            <a:noAutofit/>
+          </a:bodyPr>
+          <a:lstStyle/>
+          <a:p>
+            <a:pPr algn="ctr"/>
+            <a:endParaRPr lang="fr-FR"/>
+          </a:p>
+        </p:txBody>
+      </p:sp>
+      <p:sp>
+        <p:nvSpPr>
+          <p:cNvPr id="20" name="Ellipse 19">
+            <a:extLst>
+              <a:ext uri="{FF2B5EF4-FFF2-40B4-BE49-F238E27FC236}">
+                <a16:creationId xmlns:a16="http://schemas.microsoft.com/office/drawing/2014/main" id="{437A2616-5617-4CF2-9335-FD5A381FB322}"/>
+              </a:ext>
+            </a:extLst>
+          </p:cNvPr>
+          <p:cNvSpPr/>
+          <p:nvPr/>
+        </p:nvSpPr>
+        <p:spPr>
+          <a:xfrm>
+            <a:off x="1394750" y="224949"/>
+            <a:ext cx="106412" cy="106412"/>
+          </a:xfrm>
+          <a:prstGeom prst="ellipse">
+            <a:avLst/>
+          </a:prstGeom>
+        </p:spPr>
+        <p:style>
+          <a:lnRef idx="2">
+            <a:schemeClr val="dk1">
+              <a:shade val="50000"/>
+            </a:schemeClr>
+          </a:lnRef>
+          <a:fillRef idx="1">
+            <a:schemeClr val="dk1"/>
+          </a:fillRef>
+          <a:effectRef idx="0">
+            <a:schemeClr val="dk1"/>
+          </a:effectRef>
+          <a:fontRef idx="minor">
+            <a:schemeClr val="lt1"/>
+          </a:fontRef>
+        </p:style>
+        <p:txBody>
+          <a:bodyPr rot="0" spcFirstLastPara="0" vertOverflow="overflow" horzOverflow="overflow" vert="horz" wrap="square" lIns="91440" tIns="45720" rIns="91440" bIns="45720" numCol="1" spcCol="0" rtlCol="0" fromWordArt="0" anchor="ctr" anchorCtr="0" forceAA="0" compatLnSpc="1">
+            <a:prstTxWarp prst="textNoShape">
               <a:avLst/>
-              <a:gdLst>
-                <a:gd name="connsiteX0" fmla="*/ 0 w 354556"/>
-                <a:gd name="connsiteY0" fmla="*/ 177278 h 354556"/>
-                <a:gd name="connsiteX1" fmla="*/ 177278 w 354556"/>
-                <a:gd name="connsiteY1" fmla="*/ 0 h 354556"/>
-                <a:gd name="connsiteX2" fmla="*/ 354556 w 354556"/>
-                <a:gd name="connsiteY2" fmla="*/ 177278 h 354556"/>
-                <a:gd name="connsiteX3" fmla="*/ 177278 w 354556"/>
-                <a:gd name="connsiteY3" fmla="*/ 354556 h 354556"/>
-                <a:gd name="connsiteX4" fmla="*/ 0 w 354556"/>
-                <a:gd name="connsiteY4" fmla="*/ 177278 h 354556"/>
-                <a:gd name="connsiteX0" fmla="*/ 0 w 354556"/>
-                <a:gd name="connsiteY0" fmla="*/ 177278 h 354556"/>
-                <a:gd name="connsiteX1" fmla="*/ 177278 w 354556"/>
-                <a:gd name="connsiteY1" fmla="*/ 0 h 354556"/>
-                <a:gd name="connsiteX2" fmla="*/ 354556 w 354556"/>
-                <a:gd name="connsiteY2" fmla="*/ 177278 h 354556"/>
-                <a:gd name="connsiteX3" fmla="*/ 177278 w 354556"/>
-                <a:gd name="connsiteY3" fmla="*/ 354556 h 354556"/>
-                <a:gd name="connsiteX4" fmla="*/ 91440 w 354556"/>
-                <a:gd name="connsiteY4" fmla="*/ 268718 h 354556"/>
-                <a:gd name="connsiteX0" fmla="*/ 0 w 354556"/>
-                <a:gd name="connsiteY0" fmla="*/ 177278 h 356214"/>
-                <a:gd name="connsiteX1" fmla="*/ 177278 w 354556"/>
-                <a:gd name="connsiteY1" fmla="*/ 0 h 356214"/>
-                <a:gd name="connsiteX2" fmla="*/ 354556 w 354556"/>
-                <a:gd name="connsiteY2" fmla="*/ 177278 h 356214"/>
-                <a:gd name="connsiteX3" fmla="*/ 177278 w 354556"/>
-                <a:gd name="connsiteY3" fmla="*/ 354556 h 356214"/>
-                <a:gd name="connsiteX4" fmla="*/ 26125 w 354556"/>
-                <a:gd name="connsiteY4" fmla="*/ 268718 h 356214"/>
-                <a:gd name="connsiteX0" fmla="*/ 0 w 354556"/>
-                <a:gd name="connsiteY0" fmla="*/ 177278 h 357465"/>
-                <a:gd name="connsiteX1" fmla="*/ 177278 w 354556"/>
-                <a:gd name="connsiteY1" fmla="*/ 0 h 357465"/>
-                <a:gd name="connsiteX2" fmla="*/ 354556 w 354556"/>
-                <a:gd name="connsiteY2" fmla="*/ 177278 h 357465"/>
-                <a:gd name="connsiteX3" fmla="*/ 177278 w 354556"/>
-                <a:gd name="connsiteY3" fmla="*/ 354556 h 357465"/>
-                <a:gd name="connsiteX4" fmla="*/ 26125 w 354556"/>
-                <a:gd name="connsiteY4" fmla="*/ 268718 h 357465"/>
-                <a:gd name="connsiteX0" fmla="*/ 0 w 354556"/>
-                <a:gd name="connsiteY0" fmla="*/ 177278 h 357465"/>
-                <a:gd name="connsiteX1" fmla="*/ 177278 w 354556"/>
-                <a:gd name="connsiteY1" fmla="*/ 0 h 357465"/>
-                <a:gd name="connsiteX2" fmla="*/ 354556 w 354556"/>
-                <a:gd name="connsiteY2" fmla="*/ 177278 h 357465"/>
-                <a:gd name="connsiteX3" fmla="*/ 177278 w 354556"/>
-                <a:gd name="connsiteY3" fmla="*/ 354556 h 357465"/>
-                <a:gd name="connsiteX4" fmla="*/ 9457 w 354556"/>
-                <a:gd name="connsiteY4" fmla="*/ 268718 h 357465"/>
-                <a:gd name="connsiteX0" fmla="*/ 0 w 354556"/>
-                <a:gd name="connsiteY0" fmla="*/ 177278 h 357246"/>
-                <a:gd name="connsiteX1" fmla="*/ 177278 w 354556"/>
-                <a:gd name="connsiteY1" fmla="*/ 0 h 357246"/>
-                <a:gd name="connsiteX2" fmla="*/ 354556 w 354556"/>
-                <a:gd name="connsiteY2" fmla="*/ 177278 h 357246"/>
-                <a:gd name="connsiteX3" fmla="*/ 177278 w 354556"/>
-                <a:gd name="connsiteY3" fmla="*/ 354556 h 357246"/>
-                <a:gd name="connsiteX4" fmla="*/ 23744 w 354556"/>
-                <a:gd name="connsiteY4" fmla="*/ 266337 h 357246"/>
-                <a:gd name="connsiteX0" fmla="*/ 0 w 354556"/>
-                <a:gd name="connsiteY0" fmla="*/ 177278 h 357246"/>
-                <a:gd name="connsiteX1" fmla="*/ 177278 w 354556"/>
-                <a:gd name="connsiteY1" fmla="*/ 0 h 357246"/>
-                <a:gd name="connsiteX2" fmla="*/ 354556 w 354556"/>
-                <a:gd name="connsiteY2" fmla="*/ 177278 h 357246"/>
-                <a:gd name="connsiteX3" fmla="*/ 177278 w 354556"/>
-                <a:gd name="connsiteY3" fmla="*/ 354556 h 357246"/>
-                <a:gd name="connsiteX4" fmla="*/ 23744 w 354556"/>
-                <a:gd name="connsiteY4" fmla="*/ 266337 h 357246"/>
-                <a:gd name="connsiteX0" fmla="*/ 0 w 340269"/>
-                <a:gd name="connsiteY0" fmla="*/ 132898 h 358109"/>
-                <a:gd name="connsiteX1" fmla="*/ 162991 w 340269"/>
-                <a:gd name="connsiteY1" fmla="*/ 863 h 358109"/>
-                <a:gd name="connsiteX2" fmla="*/ 340269 w 340269"/>
-                <a:gd name="connsiteY2" fmla="*/ 178141 h 358109"/>
-                <a:gd name="connsiteX3" fmla="*/ 162991 w 340269"/>
-                <a:gd name="connsiteY3" fmla="*/ 355419 h 358109"/>
-                <a:gd name="connsiteX4" fmla="*/ 9457 w 340269"/>
-                <a:gd name="connsiteY4" fmla="*/ 267200 h 358109"/>
-                <a:gd name="connsiteX0" fmla="*/ 0 w 340269"/>
-                <a:gd name="connsiteY0" fmla="*/ 132862 h 358073"/>
-                <a:gd name="connsiteX1" fmla="*/ 162991 w 340269"/>
-                <a:gd name="connsiteY1" fmla="*/ 827 h 358073"/>
-                <a:gd name="connsiteX2" fmla="*/ 340269 w 340269"/>
-                <a:gd name="connsiteY2" fmla="*/ 178105 h 358073"/>
-                <a:gd name="connsiteX3" fmla="*/ 162991 w 340269"/>
-                <a:gd name="connsiteY3" fmla="*/ 355383 h 358073"/>
-                <a:gd name="connsiteX4" fmla="*/ 9457 w 340269"/>
-                <a:gd name="connsiteY4" fmla="*/ 267164 h 358073"/>
-                <a:gd name="connsiteX0" fmla="*/ 0 w 340269"/>
-                <a:gd name="connsiteY0" fmla="*/ 132828 h 358039"/>
-                <a:gd name="connsiteX1" fmla="*/ 162991 w 340269"/>
-                <a:gd name="connsiteY1" fmla="*/ 793 h 358039"/>
-                <a:gd name="connsiteX2" fmla="*/ 340269 w 340269"/>
-                <a:gd name="connsiteY2" fmla="*/ 178071 h 358039"/>
-                <a:gd name="connsiteX3" fmla="*/ 162991 w 340269"/>
-                <a:gd name="connsiteY3" fmla="*/ 355349 h 358039"/>
-                <a:gd name="connsiteX4" fmla="*/ 9457 w 340269"/>
-                <a:gd name="connsiteY4" fmla="*/ 267130 h 358039"/>
-                <a:gd name="connsiteX0" fmla="*/ 0 w 340269"/>
-                <a:gd name="connsiteY0" fmla="*/ 132038 h 357249"/>
-                <a:gd name="connsiteX1" fmla="*/ 162991 w 340269"/>
-                <a:gd name="connsiteY1" fmla="*/ 3 h 357249"/>
-                <a:gd name="connsiteX2" fmla="*/ 340269 w 340269"/>
-                <a:gd name="connsiteY2" fmla="*/ 177281 h 357249"/>
-                <a:gd name="connsiteX3" fmla="*/ 162991 w 340269"/>
-                <a:gd name="connsiteY3" fmla="*/ 354559 h 357249"/>
-                <a:gd name="connsiteX4" fmla="*/ 9457 w 340269"/>
-                <a:gd name="connsiteY4" fmla="*/ 266340 h 357249"/>
-                <a:gd name="connsiteX0" fmla="*/ 0 w 340269"/>
-                <a:gd name="connsiteY0" fmla="*/ 132038 h 354711"/>
-                <a:gd name="connsiteX1" fmla="*/ 162991 w 340269"/>
-                <a:gd name="connsiteY1" fmla="*/ 3 h 354711"/>
-                <a:gd name="connsiteX2" fmla="*/ 340269 w 340269"/>
-                <a:gd name="connsiteY2" fmla="*/ 177281 h 354711"/>
-                <a:gd name="connsiteX3" fmla="*/ 162991 w 340269"/>
-                <a:gd name="connsiteY3" fmla="*/ 354559 h 354711"/>
-                <a:gd name="connsiteX4" fmla="*/ 9457 w 340269"/>
-                <a:gd name="connsiteY4" fmla="*/ 266340 h 354711"/>
-                <a:gd name="connsiteX0" fmla="*/ 0 w 335507"/>
-                <a:gd name="connsiteY0" fmla="*/ 106538 h 357786"/>
-                <a:gd name="connsiteX1" fmla="*/ 158229 w 335507"/>
-                <a:gd name="connsiteY1" fmla="*/ 3078 h 357786"/>
-                <a:gd name="connsiteX2" fmla="*/ 335507 w 335507"/>
-                <a:gd name="connsiteY2" fmla="*/ 180356 h 357786"/>
-                <a:gd name="connsiteX3" fmla="*/ 158229 w 335507"/>
-                <a:gd name="connsiteY3" fmla="*/ 357634 h 357786"/>
-                <a:gd name="connsiteX4" fmla="*/ 4695 w 335507"/>
-                <a:gd name="connsiteY4" fmla="*/ 269415 h 357786"/>
-                <a:gd name="connsiteX0" fmla="*/ 0 w 335507"/>
-                <a:gd name="connsiteY0" fmla="*/ 105514 h 356762"/>
-                <a:gd name="connsiteX1" fmla="*/ 158229 w 335507"/>
-                <a:gd name="connsiteY1" fmla="*/ 2054 h 356762"/>
-                <a:gd name="connsiteX2" fmla="*/ 335507 w 335507"/>
-                <a:gd name="connsiteY2" fmla="*/ 179332 h 356762"/>
-                <a:gd name="connsiteX3" fmla="*/ 158229 w 335507"/>
-                <a:gd name="connsiteY3" fmla="*/ 356610 h 356762"/>
-                <a:gd name="connsiteX4" fmla="*/ 4695 w 335507"/>
-                <a:gd name="connsiteY4" fmla="*/ 268391 h 356762"/>
-                <a:gd name="connsiteX0" fmla="*/ 0 w 335507"/>
-                <a:gd name="connsiteY0" fmla="*/ 103616 h 354864"/>
-                <a:gd name="connsiteX1" fmla="*/ 158229 w 335507"/>
-                <a:gd name="connsiteY1" fmla="*/ 156 h 354864"/>
-                <a:gd name="connsiteX2" fmla="*/ 335507 w 335507"/>
-                <a:gd name="connsiteY2" fmla="*/ 177434 h 354864"/>
-                <a:gd name="connsiteX3" fmla="*/ 158229 w 335507"/>
-                <a:gd name="connsiteY3" fmla="*/ 354712 h 354864"/>
-                <a:gd name="connsiteX4" fmla="*/ 4695 w 335507"/>
-                <a:gd name="connsiteY4" fmla="*/ 266493 h 354864"/>
-                <a:gd name="connsiteX0" fmla="*/ 0 w 335507"/>
-                <a:gd name="connsiteY0" fmla="*/ 103616 h 354864"/>
-                <a:gd name="connsiteX1" fmla="*/ 158229 w 335507"/>
-                <a:gd name="connsiteY1" fmla="*/ 156 h 354864"/>
-                <a:gd name="connsiteX2" fmla="*/ 335507 w 335507"/>
-                <a:gd name="connsiteY2" fmla="*/ 177434 h 354864"/>
-                <a:gd name="connsiteX3" fmla="*/ 158229 w 335507"/>
-                <a:gd name="connsiteY3" fmla="*/ 354712 h 354864"/>
-                <a:gd name="connsiteX4" fmla="*/ 4695 w 335507"/>
-                <a:gd name="connsiteY4" fmla="*/ 266493 h 354864"/>
-                <a:gd name="connsiteX0" fmla="*/ 0 w 335507"/>
-                <a:gd name="connsiteY0" fmla="*/ 103616 h 354864"/>
-                <a:gd name="connsiteX1" fmla="*/ 158229 w 335507"/>
-                <a:gd name="connsiteY1" fmla="*/ 156 h 354864"/>
-                <a:gd name="connsiteX2" fmla="*/ 335507 w 335507"/>
-                <a:gd name="connsiteY2" fmla="*/ 177434 h 354864"/>
-                <a:gd name="connsiteX3" fmla="*/ 158229 w 335507"/>
-                <a:gd name="connsiteY3" fmla="*/ 354712 h 354864"/>
-                <a:gd name="connsiteX4" fmla="*/ 4695 w 335507"/>
-                <a:gd name="connsiteY4" fmla="*/ 266493 h 354864"/>
-                <a:gd name="connsiteX0" fmla="*/ 0 w 335507"/>
-                <a:gd name="connsiteY0" fmla="*/ 103616 h 354864"/>
-                <a:gd name="connsiteX1" fmla="*/ 158229 w 335507"/>
-                <a:gd name="connsiteY1" fmla="*/ 156 h 354864"/>
-                <a:gd name="connsiteX2" fmla="*/ 335507 w 335507"/>
-                <a:gd name="connsiteY2" fmla="*/ 177434 h 354864"/>
-                <a:gd name="connsiteX3" fmla="*/ 158229 w 335507"/>
-                <a:gd name="connsiteY3" fmla="*/ 354712 h 354864"/>
-                <a:gd name="connsiteX4" fmla="*/ 4695 w 335507"/>
-                <a:gd name="connsiteY4" fmla="*/ 266493 h 354864"/>
-                <a:gd name="connsiteX0" fmla="*/ 0 w 335507"/>
-                <a:gd name="connsiteY0" fmla="*/ 103616 h 355628"/>
-                <a:gd name="connsiteX1" fmla="*/ 158229 w 335507"/>
-                <a:gd name="connsiteY1" fmla="*/ 156 h 355628"/>
-                <a:gd name="connsiteX2" fmla="*/ 335507 w 335507"/>
-                <a:gd name="connsiteY2" fmla="*/ 177434 h 355628"/>
-                <a:gd name="connsiteX3" fmla="*/ 158229 w 335507"/>
-                <a:gd name="connsiteY3" fmla="*/ 354712 h 355628"/>
-                <a:gd name="connsiteX4" fmla="*/ 4695 w 335507"/>
-                <a:gd name="connsiteY4" fmla="*/ 266493 h 355628"/>
-                <a:gd name="connsiteX0" fmla="*/ 0 w 335507"/>
-                <a:gd name="connsiteY0" fmla="*/ 103616 h 372066"/>
-                <a:gd name="connsiteX1" fmla="*/ 158229 w 335507"/>
-                <a:gd name="connsiteY1" fmla="*/ 156 h 372066"/>
-                <a:gd name="connsiteX2" fmla="*/ 335507 w 335507"/>
-                <a:gd name="connsiteY2" fmla="*/ 177434 h 372066"/>
-                <a:gd name="connsiteX3" fmla="*/ 189186 w 335507"/>
-                <a:gd name="connsiteY3" fmla="*/ 371380 h 372066"/>
-                <a:gd name="connsiteX4" fmla="*/ 4695 w 335507"/>
-                <a:gd name="connsiteY4" fmla="*/ 266493 h 372066"/>
-                <a:gd name="connsiteX0" fmla="*/ 0 w 335507"/>
-                <a:gd name="connsiteY0" fmla="*/ 103616 h 372483"/>
-                <a:gd name="connsiteX1" fmla="*/ 158229 w 335507"/>
-                <a:gd name="connsiteY1" fmla="*/ 156 h 372483"/>
-                <a:gd name="connsiteX2" fmla="*/ 335507 w 335507"/>
-                <a:gd name="connsiteY2" fmla="*/ 177434 h 372483"/>
-                <a:gd name="connsiteX3" fmla="*/ 189186 w 335507"/>
-                <a:gd name="connsiteY3" fmla="*/ 371380 h 372483"/>
-                <a:gd name="connsiteX4" fmla="*/ 4695 w 335507"/>
-                <a:gd name="connsiteY4" fmla="*/ 266493 h 372483"/>
-              </a:gdLst>
-              <a:ahLst/>
-              <a:cxnLst>
-                <a:cxn ang="0">
-                  <a:pos x="connsiteX0" y="connsiteY0"/>
-                </a:cxn>
-                <a:cxn ang="0">
-                  <a:pos x="connsiteX1" y="connsiteY1"/>
-                </a:cxn>
-                <a:cxn ang="0">
-                  <a:pos x="connsiteX2" y="connsiteY2"/>
-                </a:cxn>
-                <a:cxn ang="0">
-                  <a:pos x="connsiteX3" y="connsiteY3"/>
-                </a:cxn>
-                <a:cxn ang="0">
-                  <a:pos x="connsiteX4" y="connsiteY4"/>
-                </a:cxn>
-              </a:cxnLst>
-              <a:rect l="l" t="t" r="r" b="b"/>
-              <a:pathLst>
-                <a:path w="335507" h="372483">
-                  <a:moveTo>
-                    <a:pt x="0" y="103616"/>
-                  </a:moveTo>
-                  <a:cubicBezTo>
-                    <a:pt x="26193" y="31903"/>
-                    <a:pt x="52305" y="-2622"/>
-                    <a:pt x="158229" y="156"/>
-                  </a:cubicBezTo>
-                  <a:cubicBezTo>
-                    <a:pt x="264153" y="2934"/>
-                    <a:pt x="335507" y="79526"/>
-                    <a:pt x="335507" y="177434"/>
-                  </a:cubicBezTo>
-                  <a:cubicBezTo>
-                    <a:pt x="335507" y="275342"/>
-                    <a:pt x="306233" y="361299"/>
-                    <a:pt x="189186" y="371380"/>
-                  </a:cubicBezTo>
-                  <a:cubicBezTo>
-                    <a:pt x="72139" y="381461"/>
-                    <a:pt x="25174" y="320586"/>
-                    <a:pt x="4695" y="266493"/>
-                  </a:cubicBezTo>
-                </a:path>
-              </a:pathLst>
-            </a:custGeom>
-            <a:noFill/>
-            <a:ln w="38100">
-              <a:solidFill>
-                <a:srgbClr val="C00000"/>
-              </a:solidFill>
-              <a:headEnd type="triangle"/>
-            </a:ln>
-          </p:spPr>
-          <p:style>
-            <a:lnRef idx="2">
-              <a:schemeClr val="accent1">
-                <a:shade val="50000"/>
-              </a:schemeClr>
-            </a:lnRef>
-            <a:fillRef idx="1">
-              <a:schemeClr val="accent1"/>
-            </a:fillRef>
-            <a:effectRef idx="0">
-              <a:schemeClr val="accent1"/>
-            </a:effectRef>
-            <a:fontRef idx="minor">
-              <a:schemeClr val="lt1"/>
-            </a:fontRef>
-          </p:style>
-          <p:txBody>
-            <a:bodyPr rot="0" spcFirstLastPara="0" vertOverflow="overflow" horzOverflow="overflow" vert="horz" wrap="square" lIns="91440" tIns="45720" rIns="91440" bIns="45720" numCol="1" spcCol="0" rtlCol="0" fromWordArt="0" anchor="ctr" anchorCtr="0" forceAA="0" compatLnSpc="1">
-              <a:prstTxWarp prst="textNoShape">
-                <a:avLst/>
-              </a:prstTxWarp>
-              <a:noAutofit/>
-            </a:bodyPr>
-            <a:lstStyle/>
-            <a:p>
-              <a:pPr algn="ctr"/>
-              <a:endParaRPr lang="fr-FR"/>
-            </a:p>
-          </p:txBody>
-        </p:sp>
-        <p:sp>
-          <p:nvSpPr>
-            <p:cNvPr id="18" name="Ellipse 16">
-              <a:extLst>
-                <a:ext uri="{FF2B5EF4-FFF2-40B4-BE49-F238E27FC236}">
-                  <a16:creationId xmlns:a16="http://schemas.microsoft.com/office/drawing/2014/main" id="{9BD72901-C506-4E71-8BD3-E81B959BE6ED}"/>
-                </a:ext>
-              </a:extLst>
-            </p:cNvPr>
-            <p:cNvSpPr/>
-            <p:nvPr/>
-          </p:nvSpPr>
-          <p:spPr>
-            <a:xfrm rot="15283673" flipH="1">
-              <a:off x="4737562" y="4023827"/>
-              <a:ext cx="335507" cy="264287"/>
-            </a:xfrm>
-            <a:custGeom>
+            </a:prstTxWarp>
+            <a:noAutofit/>
+          </a:bodyPr>
+          <a:lstStyle/>
+          <a:p>
+            <a:pPr algn="ctr"/>
+            <a:endParaRPr lang="fr-FR"/>
+          </a:p>
+        </p:txBody>
+      </p:sp>
+      <p:sp>
+        <p:nvSpPr>
+          <p:cNvPr id="21" name="Ellipse 20">
+            <a:extLst>
+              <a:ext uri="{FF2B5EF4-FFF2-40B4-BE49-F238E27FC236}">
+                <a16:creationId xmlns:a16="http://schemas.microsoft.com/office/drawing/2014/main" id="{6C5C67DA-ACDD-40B4-976E-53A43922F30F}"/>
+              </a:ext>
+            </a:extLst>
+          </p:cNvPr>
+          <p:cNvSpPr/>
+          <p:nvPr/>
+        </p:nvSpPr>
+        <p:spPr>
+          <a:xfrm>
+            <a:off x="2196371" y="1592067"/>
+            <a:ext cx="106412" cy="106412"/>
+          </a:xfrm>
+          <a:prstGeom prst="ellipse">
+            <a:avLst/>
+          </a:prstGeom>
+        </p:spPr>
+        <p:style>
+          <a:lnRef idx="2">
+            <a:schemeClr val="dk1">
+              <a:shade val="50000"/>
+            </a:schemeClr>
+          </a:lnRef>
+          <a:fillRef idx="1">
+            <a:schemeClr val="dk1"/>
+          </a:fillRef>
+          <a:effectRef idx="0">
+            <a:schemeClr val="dk1"/>
+          </a:effectRef>
+          <a:fontRef idx="minor">
+            <a:schemeClr val="lt1"/>
+          </a:fontRef>
+        </p:style>
+        <p:txBody>
+          <a:bodyPr rot="0" spcFirstLastPara="0" vertOverflow="overflow" horzOverflow="overflow" vert="horz" wrap="square" lIns="91440" tIns="45720" rIns="91440" bIns="45720" numCol="1" spcCol="0" rtlCol="0" fromWordArt="0" anchor="ctr" anchorCtr="0" forceAA="0" compatLnSpc="1">
+            <a:prstTxWarp prst="textNoShape">
               <a:avLst/>
-              <a:gdLst>
-                <a:gd name="connsiteX0" fmla="*/ 0 w 354556"/>
-                <a:gd name="connsiteY0" fmla="*/ 177278 h 354556"/>
-                <a:gd name="connsiteX1" fmla="*/ 177278 w 354556"/>
-                <a:gd name="connsiteY1" fmla="*/ 0 h 354556"/>
-                <a:gd name="connsiteX2" fmla="*/ 354556 w 354556"/>
-                <a:gd name="connsiteY2" fmla="*/ 177278 h 354556"/>
-                <a:gd name="connsiteX3" fmla="*/ 177278 w 354556"/>
-                <a:gd name="connsiteY3" fmla="*/ 354556 h 354556"/>
-                <a:gd name="connsiteX4" fmla="*/ 0 w 354556"/>
-                <a:gd name="connsiteY4" fmla="*/ 177278 h 354556"/>
-                <a:gd name="connsiteX0" fmla="*/ 0 w 354556"/>
-                <a:gd name="connsiteY0" fmla="*/ 177278 h 354556"/>
-                <a:gd name="connsiteX1" fmla="*/ 177278 w 354556"/>
-                <a:gd name="connsiteY1" fmla="*/ 0 h 354556"/>
-                <a:gd name="connsiteX2" fmla="*/ 354556 w 354556"/>
-                <a:gd name="connsiteY2" fmla="*/ 177278 h 354556"/>
-                <a:gd name="connsiteX3" fmla="*/ 177278 w 354556"/>
-                <a:gd name="connsiteY3" fmla="*/ 354556 h 354556"/>
-                <a:gd name="connsiteX4" fmla="*/ 91440 w 354556"/>
-                <a:gd name="connsiteY4" fmla="*/ 268718 h 354556"/>
-                <a:gd name="connsiteX0" fmla="*/ 0 w 354556"/>
-                <a:gd name="connsiteY0" fmla="*/ 177278 h 356214"/>
-                <a:gd name="connsiteX1" fmla="*/ 177278 w 354556"/>
-                <a:gd name="connsiteY1" fmla="*/ 0 h 356214"/>
-                <a:gd name="connsiteX2" fmla="*/ 354556 w 354556"/>
-                <a:gd name="connsiteY2" fmla="*/ 177278 h 356214"/>
-                <a:gd name="connsiteX3" fmla="*/ 177278 w 354556"/>
-                <a:gd name="connsiteY3" fmla="*/ 354556 h 356214"/>
-                <a:gd name="connsiteX4" fmla="*/ 26125 w 354556"/>
-                <a:gd name="connsiteY4" fmla="*/ 268718 h 356214"/>
-                <a:gd name="connsiteX0" fmla="*/ 0 w 354556"/>
-                <a:gd name="connsiteY0" fmla="*/ 177278 h 357465"/>
-                <a:gd name="connsiteX1" fmla="*/ 177278 w 354556"/>
-                <a:gd name="connsiteY1" fmla="*/ 0 h 357465"/>
-                <a:gd name="connsiteX2" fmla="*/ 354556 w 354556"/>
-                <a:gd name="connsiteY2" fmla="*/ 177278 h 357465"/>
-                <a:gd name="connsiteX3" fmla="*/ 177278 w 354556"/>
-                <a:gd name="connsiteY3" fmla="*/ 354556 h 357465"/>
-                <a:gd name="connsiteX4" fmla="*/ 26125 w 354556"/>
-                <a:gd name="connsiteY4" fmla="*/ 268718 h 357465"/>
-                <a:gd name="connsiteX0" fmla="*/ 0 w 354556"/>
-                <a:gd name="connsiteY0" fmla="*/ 177278 h 357465"/>
-                <a:gd name="connsiteX1" fmla="*/ 177278 w 354556"/>
-                <a:gd name="connsiteY1" fmla="*/ 0 h 357465"/>
-                <a:gd name="connsiteX2" fmla="*/ 354556 w 354556"/>
-                <a:gd name="connsiteY2" fmla="*/ 177278 h 357465"/>
-                <a:gd name="connsiteX3" fmla="*/ 177278 w 354556"/>
-                <a:gd name="connsiteY3" fmla="*/ 354556 h 357465"/>
-                <a:gd name="connsiteX4" fmla="*/ 9457 w 354556"/>
-                <a:gd name="connsiteY4" fmla="*/ 268718 h 357465"/>
-                <a:gd name="connsiteX0" fmla="*/ 0 w 354556"/>
-                <a:gd name="connsiteY0" fmla="*/ 177278 h 357246"/>
-                <a:gd name="connsiteX1" fmla="*/ 177278 w 354556"/>
-                <a:gd name="connsiteY1" fmla="*/ 0 h 357246"/>
-                <a:gd name="connsiteX2" fmla="*/ 354556 w 354556"/>
-                <a:gd name="connsiteY2" fmla="*/ 177278 h 357246"/>
-                <a:gd name="connsiteX3" fmla="*/ 177278 w 354556"/>
-                <a:gd name="connsiteY3" fmla="*/ 354556 h 357246"/>
-                <a:gd name="connsiteX4" fmla="*/ 23744 w 354556"/>
-                <a:gd name="connsiteY4" fmla="*/ 266337 h 357246"/>
-                <a:gd name="connsiteX0" fmla="*/ 0 w 354556"/>
-                <a:gd name="connsiteY0" fmla="*/ 177278 h 357246"/>
-                <a:gd name="connsiteX1" fmla="*/ 177278 w 354556"/>
-                <a:gd name="connsiteY1" fmla="*/ 0 h 357246"/>
-                <a:gd name="connsiteX2" fmla="*/ 354556 w 354556"/>
-                <a:gd name="connsiteY2" fmla="*/ 177278 h 357246"/>
-                <a:gd name="connsiteX3" fmla="*/ 177278 w 354556"/>
-                <a:gd name="connsiteY3" fmla="*/ 354556 h 357246"/>
-                <a:gd name="connsiteX4" fmla="*/ 23744 w 354556"/>
-                <a:gd name="connsiteY4" fmla="*/ 266337 h 357246"/>
-                <a:gd name="connsiteX0" fmla="*/ 0 w 340269"/>
-                <a:gd name="connsiteY0" fmla="*/ 132898 h 358109"/>
-                <a:gd name="connsiteX1" fmla="*/ 162991 w 340269"/>
-                <a:gd name="connsiteY1" fmla="*/ 863 h 358109"/>
-                <a:gd name="connsiteX2" fmla="*/ 340269 w 340269"/>
-                <a:gd name="connsiteY2" fmla="*/ 178141 h 358109"/>
-                <a:gd name="connsiteX3" fmla="*/ 162991 w 340269"/>
-                <a:gd name="connsiteY3" fmla="*/ 355419 h 358109"/>
-                <a:gd name="connsiteX4" fmla="*/ 9457 w 340269"/>
-                <a:gd name="connsiteY4" fmla="*/ 267200 h 358109"/>
-                <a:gd name="connsiteX0" fmla="*/ 0 w 340269"/>
-                <a:gd name="connsiteY0" fmla="*/ 132862 h 358073"/>
-                <a:gd name="connsiteX1" fmla="*/ 162991 w 340269"/>
-                <a:gd name="connsiteY1" fmla="*/ 827 h 358073"/>
-                <a:gd name="connsiteX2" fmla="*/ 340269 w 340269"/>
-                <a:gd name="connsiteY2" fmla="*/ 178105 h 358073"/>
-                <a:gd name="connsiteX3" fmla="*/ 162991 w 340269"/>
-                <a:gd name="connsiteY3" fmla="*/ 355383 h 358073"/>
-                <a:gd name="connsiteX4" fmla="*/ 9457 w 340269"/>
-                <a:gd name="connsiteY4" fmla="*/ 267164 h 358073"/>
-                <a:gd name="connsiteX0" fmla="*/ 0 w 340269"/>
-                <a:gd name="connsiteY0" fmla="*/ 132828 h 358039"/>
-                <a:gd name="connsiteX1" fmla="*/ 162991 w 340269"/>
-                <a:gd name="connsiteY1" fmla="*/ 793 h 358039"/>
-                <a:gd name="connsiteX2" fmla="*/ 340269 w 340269"/>
-                <a:gd name="connsiteY2" fmla="*/ 178071 h 358039"/>
-                <a:gd name="connsiteX3" fmla="*/ 162991 w 340269"/>
-                <a:gd name="connsiteY3" fmla="*/ 355349 h 358039"/>
-                <a:gd name="connsiteX4" fmla="*/ 9457 w 340269"/>
-                <a:gd name="connsiteY4" fmla="*/ 267130 h 358039"/>
-                <a:gd name="connsiteX0" fmla="*/ 0 w 340269"/>
-                <a:gd name="connsiteY0" fmla="*/ 132038 h 357249"/>
-                <a:gd name="connsiteX1" fmla="*/ 162991 w 340269"/>
-                <a:gd name="connsiteY1" fmla="*/ 3 h 357249"/>
-                <a:gd name="connsiteX2" fmla="*/ 340269 w 340269"/>
-                <a:gd name="connsiteY2" fmla="*/ 177281 h 357249"/>
-                <a:gd name="connsiteX3" fmla="*/ 162991 w 340269"/>
-                <a:gd name="connsiteY3" fmla="*/ 354559 h 357249"/>
-                <a:gd name="connsiteX4" fmla="*/ 9457 w 340269"/>
-                <a:gd name="connsiteY4" fmla="*/ 266340 h 357249"/>
-                <a:gd name="connsiteX0" fmla="*/ 0 w 340269"/>
-                <a:gd name="connsiteY0" fmla="*/ 132038 h 354711"/>
-                <a:gd name="connsiteX1" fmla="*/ 162991 w 340269"/>
-                <a:gd name="connsiteY1" fmla="*/ 3 h 354711"/>
-                <a:gd name="connsiteX2" fmla="*/ 340269 w 340269"/>
-                <a:gd name="connsiteY2" fmla="*/ 177281 h 354711"/>
-                <a:gd name="connsiteX3" fmla="*/ 162991 w 340269"/>
-                <a:gd name="connsiteY3" fmla="*/ 354559 h 354711"/>
-                <a:gd name="connsiteX4" fmla="*/ 9457 w 340269"/>
-                <a:gd name="connsiteY4" fmla="*/ 266340 h 354711"/>
-                <a:gd name="connsiteX0" fmla="*/ 0 w 335507"/>
-                <a:gd name="connsiteY0" fmla="*/ 106538 h 357786"/>
-                <a:gd name="connsiteX1" fmla="*/ 158229 w 335507"/>
-                <a:gd name="connsiteY1" fmla="*/ 3078 h 357786"/>
-                <a:gd name="connsiteX2" fmla="*/ 335507 w 335507"/>
-                <a:gd name="connsiteY2" fmla="*/ 180356 h 357786"/>
-                <a:gd name="connsiteX3" fmla="*/ 158229 w 335507"/>
-                <a:gd name="connsiteY3" fmla="*/ 357634 h 357786"/>
-                <a:gd name="connsiteX4" fmla="*/ 4695 w 335507"/>
-                <a:gd name="connsiteY4" fmla="*/ 269415 h 357786"/>
-                <a:gd name="connsiteX0" fmla="*/ 0 w 335507"/>
-                <a:gd name="connsiteY0" fmla="*/ 105514 h 356762"/>
-                <a:gd name="connsiteX1" fmla="*/ 158229 w 335507"/>
-                <a:gd name="connsiteY1" fmla="*/ 2054 h 356762"/>
-                <a:gd name="connsiteX2" fmla="*/ 335507 w 335507"/>
-                <a:gd name="connsiteY2" fmla="*/ 179332 h 356762"/>
-                <a:gd name="connsiteX3" fmla="*/ 158229 w 335507"/>
-                <a:gd name="connsiteY3" fmla="*/ 356610 h 356762"/>
-                <a:gd name="connsiteX4" fmla="*/ 4695 w 335507"/>
-                <a:gd name="connsiteY4" fmla="*/ 268391 h 356762"/>
-                <a:gd name="connsiteX0" fmla="*/ 0 w 335507"/>
-                <a:gd name="connsiteY0" fmla="*/ 103616 h 354864"/>
-                <a:gd name="connsiteX1" fmla="*/ 158229 w 335507"/>
-                <a:gd name="connsiteY1" fmla="*/ 156 h 354864"/>
-                <a:gd name="connsiteX2" fmla="*/ 335507 w 335507"/>
-                <a:gd name="connsiteY2" fmla="*/ 177434 h 354864"/>
-                <a:gd name="connsiteX3" fmla="*/ 158229 w 335507"/>
-                <a:gd name="connsiteY3" fmla="*/ 354712 h 354864"/>
-                <a:gd name="connsiteX4" fmla="*/ 4695 w 335507"/>
-                <a:gd name="connsiteY4" fmla="*/ 266493 h 354864"/>
-                <a:gd name="connsiteX0" fmla="*/ 0 w 335507"/>
-                <a:gd name="connsiteY0" fmla="*/ 103616 h 354864"/>
-                <a:gd name="connsiteX1" fmla="*/ 158229 w 335507"/>
-                <a:gd name="connsiteY1" fmla="*/ 156 h 354864"/>
-                <a:gd name="connsiteX2" fmla="*/ 335507 w 335507"/>
-                <a:gd name="connsiteY2" fmla="*/ 177434 h 354864"/>
-                <a:gd name="connsiteX3" fmla="*/ 158229 w 335507"/>
-                <a:gd name="connsiteY3" fmla="*/ 354712 h 354864"/>
-                <a:gd name="connsiteX4" fmla="*/ 4695 w 335507"/>
-                <a:gd name="connsiteY4" fmla="*/ 266493 h 354864"/>
-                <a:gd name="connsiteX0" fmla="*/ 0 w 335507"/>
-                <a:gd name="connsiteY0" fmla="*/ 103616 h 354864"/>
-                <a:gd name="connsiteX1" fmla="*/ 158229 w 335507"/>
-                <a:gd name="connsiteY1" fmla="*/ 156 h 354864"/>
-                <a:gd name="connsiteX2" fmla="*/ 335507 w 335507"/>
-                <a:gd name="connsiteY2" fmla="*/ 177434 h 354864"/>
-                <a:gd name="connsiteX3" fmla="*/ 158229 w 335507"/>
-                <a:gd name="connsiteY3" fmla="*/ 354712 h 354864"/>
-                <a:gd name="connsiteX4" fmla="*/ 4695 w 335507"/>
-                <a:gd name="connsiteY4" fmla="*/ 266493 h 354864"/>
-                <a:gd name="connsiteX0" fmla="*/ 0 w 335507"/>
-                <a:gd name="connsiteY0" fmla="*/ 103616 h 354864"/>
-                <a:gd name="connsiteX1" fmla="*/ 158229 w 335507"/>
-                <a:gd name="connsiteY1" fmla="*/ 156 h 354864"/>
-                <a:gd name="connsiteX2" fmla="*/ 335507 w 335507"/>
-                <a:gd name="connsiteY2" fmla="*/ 177434 h 354864"/>
-                <a:gd name="connsiteX3" fmla="*/ 158229 w 335507"/>
-                <a:gd name="connsiteY3" fmla="*/ 354712 h 354864"/>
-                <a:gd name="connsiteX4" fmla="*/ 4695 w 335507"/>
-                <a:gd name="connsiteY4" fmla="*/ 266493 h 354864"/>
-                <a:gd name="connsiteX0" fmla="*/ 0 w 335507"/>
-                <a:gd name="connsiteY0" fmla="*/ 103616 h 355628"/>
-                <a:gd name="connsiteX1" fmla="*/ 158229 w 335507"/>
-                <a:gd name="connsiteY1" fmla="*/ 156 h 355628"/>
-                <a:gd name="connsiteX2" fmla="*/ 335507 w 335507"/>
-                <a:gd name="connsiteY2" fmla="*/ 177434 h 355628"/>
-                <a:gd name="connsiteX3" fmla="*/ 158229 w 335507"/>
-                <a:gd name="connsiteY3" fmla="*/ 354712 h 355628"/>
-                <a:gd name="connsiteX4" fmla="*/ 4695 w 335507"/>
-                <a:gd name="connsiteY4" fmla="*/ 266493 h 355628"/>
-                <a:gd name="connsiteX0" fmla="*/ 0 w 335507"/>
-                <a:gd name="connsiteY0" fmla="*/ 103616 h 372066"/>
-                <a:gd name="connsiteX1" fmla="*/ 158229 w 335507"/>
-                <a:gd name="connsiteY1" fmla="*/ 156 h 372066"/>
-                <a:gd name="connsiteX2" fmla="*/ 335507 w 335507"/>
-                <a:gd name="connsiteY2" fmla="*/ 177434 h 372066"/>
-                <a:gd name="connsiteX3" fmla="*/ 189186 w 335507"/>
-                <a:gd name="connsiteY3" fmla="*/ 371380 h 372066"/>
-                <a:gd name="connsiteX4" fmla="*/ 4695 w 335507"/>
-                <a:gd name="connsiteY4" fmla="*/ 266493 h 372066"/>
-                <a:gd name="connsiteX0" fmla="*/ 0 w 335507"/>
-                <a:gd name="connsiteY0" fmla="*/ 103616 h 372483"/>
-                <a:gd name="connsiteX1" fmla="*/ 158229 w 335507"/>
-                <a:gd name="connsiteY1" fmla="*/ 156 h 372483"/>
-                <a:gd name="connsiteX2" fmla="*/ 335507 w 335507"/>
-                <a:gd name="connsiteY2" fmla="*/ 177434 h 372483"/>
-                <a:gd name="connsiteX3" fmla="*/ 189186 w 335507"/>
-                <a:gd name="connsiteY3" fmla="*/ 371380 h 372483"/>
-                <a:gd name="connsiteX4" fmla="*/ 4695 w 335507"/>
-                <a:gd name="connsiteY4" fmla="*/ 266493 h 372483"/>
-              </a:gdLst>
-              <a:ahLst/>
-              <a:cxnLst>
-                <a:cxn ang="0">
-                  <a:pos x="connsiteX0" y="connsiteY0"/>
-                </a:cxn>
-                <a:cxn ang="0">
-                  <a:pos x="connsiteX1" y="connsiteY1"/>
-                </a:cxn>
-                <a:cxn ang="0">
-                  <a:pos x="connsiteX2" y="connsiteY2"/>
-                </a:cxn>
-                <a:cxn ang="0">
-                  <a:pos x="connsiteX3" y="connsiteY3"/>
-                </a:cxn>
-                <a:cxn ang="0">
-                  <a:pos x="connsiteX4" y="connsiteY4"/>
-                </a:cxn>
-              </a:cxnLst>
-              <a:rect l="l" t="t" r="r" b="b"/>
-              <a:pathLst>
-                <a:path w="335507" h="372483">
-                  <a:moveTo>
-                    <a:pt x="0" y="103616"/>
-                  </a:moveTo>
-                  <a:cubicBezTo>
-                    <a:pt x="26193" y="31903"/>
-                    <a:pt x="52305" y="-2622"/>
-                    <a:pt x="158229" y="156"/>
-                  </a:cubicBezTo>
-                  <a:cubicBezTo>
-                    <a:pt x="264153" y="2934"/>
-                    <a:pt x="335507" y="79526"/>
-                    <a:pt x="335507" y="177434"/>
-                  </a:cubicBezTo>
-                  <a:cubicBezTo>
-                    <a:pt x="335507" y="275342"/>
-                    <a:pt x="306233" y="361299"/>
-                    <a:pt x="189186" y="371380"/>
-                  </a:cubicBezTo>
-                  <a:cubicBezTo>
-                    <a:pt x="72139" y="381461"/>
-                    <a:pt x="25174" y="320586"/>
-                    <a:pt x="4695" y="266493"/>
-                  </a:cubicBezTo>
-                </a:path>
-              </a:pathLst>
-            </a:custGeom>
-            <a:noFill/>
-            <a:ln w="38100">
-              <a:solidFill>
-                <a:srgbClr val="C00000"/>
-              </a:solidFill>
-              <a:headEnd type="triangle"/>
-            </a:ln>
-          </p:spPr>
-          <p:style>
-            <a:lnRef idx="2">
-              <a:schemeClr val="accent1">
-                <a:shade val="50000"/>
-              </a:schemeClr>
-            </a:lnRef>
-            <a:fillRef idx="1">
-              <a:schemeClr val="accent1"/>
-            </a:fillRef>
-            <a:effectRef idx="0">
-              <a:schemeClr val="accent1"/>
-            </a:effectRef>
-            <a:fontRef idx="minor">
-              <a:schemeClr val="lt1"/>
-            </a:fontRef>
-          </p:style>
-          <p:txBody>
-            <a:bodyPr rot="0" spcFirstLastPara="0" vertOverflow="overflow" horzOverflow="overflow" vert="horz" wrap="square" lIns="91440" tIns="45720" rIns="91440" bIns="45720" numCol="1" spcCol="0" rtlCol="0" fromWordArt="0" anchor="ctr" anchorCtr="0" forceAA="0" compatLnSpc="1">
-              <a:prstTxWarp prst="textNoShape">
-                <a:avLst/>
-              </a:prstTxWarp>
-              <a:noAutofit/>
-            </a:bodyPr>
-            <a:lstStyle/>
-            <a:p>
-              <a:pPr algn="ctr"/>
-              <a:endParaRPr lang="fr-FR"/>
-            </a:p>
-          </p:txBody>
-        </p:sp>
-        <p:sp>
-          <p:nvSpPr>
-            <p:cNvPr id="19" name="Ellipse 16">
-              <a:extLst>
-                <a:ext uri="{FF2B5EF4-FFF2-40B4-BE49-F238E27FC236}">
-                  <a16:creationId xmlns:a16="http://schemas.microsoft.com/office/drawing/2014/main" id="{414CAE31-3B34-42C9-B239-30688D982EC6}"/>
-                </a:ext>
-              </a:extLst>
-            </p:cNvPr>
-            <p:cNvSpPr/>
-            <p:nvPr/>
-          </p:nvSpPr>
-          <p:spPr>
-            <a:xfrm rot="11743407">
-              <a:off x="4429462" y="3681669"/>
-              <a:ext cx="335507" cy="292529"/>
-            </a:xfrm>
-            <a:custGeom>
+            </a:prstTxWarp>
+            <a:noAutofit/>
+          </a:bodyPr>
+          <a:lstStyle/>
+          <a:p>
+            <a:pPr algn="ctr"/>
+            <a:endParaRPr lang="fr-FR"/>
+          </a:p>
+        </p:txBody>
+      </p:sp>
+      <p:sp>
+        <p:nvSpPr>
+          <p:cNvPr id="26" name="Ellipse 25">
+            <a:extLst>
+              <a:ext uri="{FF2B5EF4-FFF2-40B4-BE49-F238E27FC236}">
+                <a16:creationId xmlns:a16="http://schemas.microsoft.com/office/drawing/2014/main" id="{1AC3514A-607E-4D59-9C77-A55C8E6998ED}"/>
+              </a:ext>
+            </a:extLst>
+          </p:cNvPr>
+          <p:cNvSpPr/>
+          <p:nvPr/>
+        </p:nvSpPr>
+        <p:spPr>
+          <a:xfrm>
+            <a:off x="587961" y="1600890"/>
+            <a:ext cx="106412" cy="106412"/>
+          </a:xfrm>
+          <a:prstGeom prst="ellipse">
+            <a:avLst/>
+          </a:prstGeom>
+        </p:spPr>
+        <p:style>
+          <a:lnRef idx="2">
+            <a:schemeClr val="dk1">
+              <a:shade val="50000"/>
+            </a:schemeClr>
+          </a:lnRef>
+          <a:fillRef idx="1">
+            <a:schemeClr val="dk1"/>
+          </a:fillRef>
+          <a:effectRef idx="0">
+            <a:schemeClr val="dk1"/>
+          </a:effectRef>
+          <a:fontRef idx="minor">
+            <a:schemeClr val="lt1"/>
+          </a:fontRef>
+        </p:style>
+        <p:txBody>
+          <a:bodyPr rot="0" spcFirstLastPara="0" vertOverflow="overflow" horzOverflow="overflow" vert="horz" wrap="square" lIns="91440" tIns="45720" rIns="91440" bIns="45720" numCol="1" spcCol="0" rtlCol="0" fromWordArt="0" anchor="ctr" anchorCtr="0" forceAA="0" compatLnSpc="1">
+            <a:prstTxWarp prst="textNoShape">
               <a:avLst/>
-              <a:gdLst>
-                <a:gd name="connsiteX0" fmla="*/ 0 w 354556"/>
-                <a:gd name="connsiteY0" fmla="*/ 177278 h 354556"/>
-                <a:gd name="connsiteX1" fmla="*/ 177278 w 354556"/>
-                <a:gd name="connsiteY1" fmla="*/ 0 h 354556"/>
-                <a:gd name="connsiteX2" fmla="*/ 354556 w 354556"/>
-                <a:gd name="connsiteY2" fmla="*/ 177278 h 354556"/>
-                <a:gd name="connsiteX3" fmla="*/ 177278 w 354556"/>
-                <a:gd name="connsiteY3" fmla="*/ 354556 h 354556"/>
-                <a:gd name="connsiteX4" fmla="*/ 0 w 354556"/>
-                <a:gd name="connsiteY4" fmla="*/ 177278 h 354556"/>
-                <a:gd name="connsiteX0" fmla="*/ 0 w 354556"/>
-                <a:gd name="connsiteY0" fmla="*/ 177278 h 354556"/>
-                <a:gd name="connsiteX1" fmla="*/ 177278 w 354556"/>
-                <a:gd name="connsiteY1" fmla="*/ 0 h 354556"/>
-                <a:gd name="connsiteX2" fmla="*/ 354556 w 354556"/>
-                <a:gd name="connsiteY2" fmla="*/ 177278 h 354556"/>
-                <a:gd name="connsiteX3" fmla="*/ 177278 w 354556"/>
-                <a:gd name="connsiteY3" fmla="*/ 354556 h 354556"/>
-                <a:gd name="connsiteX4" fmla="*/ 91440 w 354556"/>
-                <a:gd name="connsiteY4" fmla="*/ 268718 h 354556"/>
-                <a:gd name="connsiteX0" fmla="*/ 0 w 354556"/>
-                <a:gd name="connsiteY0" fmla="*/ 177278 h 356214"/>
-                <a:gd name="connsiteX1" fmla="*/ 177278 w 354556"/>
-                <a:gd name="connsiteY1" fmla="*/ 0 h 356214"/>
-                <a:gd name="connsiteX2" fmla="*/ 354556 w 354556"/>
-                <a:gd name="connsiteY2" fmla="*/ 177278 h 356214"/>
-                <a:gd name="connsiteX3" fmla="*/ 177278 w 354556"/>
-                <a:gd name="connsiteY3" fmla="*/ 354556 h 356214"/>
-                <a:gd name="connsiteX4" fmla="*/ 26125 w 354556"/>
-                <a:gd name="connsiteY4" fmla="*/ 268718 h 356214"/>
-                <a:gd name="connsiteX0" fmla="*/ 0 w 354556"/>
-                <a:gd name="connsiteY0" fmla="*/ 177278 h 357465"/>
-                <a:gd name="connsiteX1" fmla="*/ 177278 w 354556"/>
-                <a:gd name="connsiteY1" fmla="*/ 0 h 357465"/>
-                <a:gd name="connsiteX2" fmla="*/ 354556 w 354556"/>
-                <a:gd name="connsiteY2" fmla="*/ 177278 h 357465"/>
-                <a:gd name="connsiteX3" fmla="*/ 177278 w 354556"/>
-                <a:gd name="connsiteY3" fmla="*/ 354556 h 357465"/>
-                <a:gd name="connsiteX4" fmla="*/ 26125 w 354556"/>
-                <a:gd name="connsiteY4" fmla="*/ 268718 h 357465"/>
-                <a:gd name="connsiteX0" fmla="*/ 0 w 354556"/>
-                <a:gd name="connsiteY0" fmla="*/ 177278 h 357465"/>
-                <a:gd name="connsiteX1" fmla="*/ 177278 w 354556"/>
-                <a:gd name="connsiteY1" fmla="*/ 0 h 357465"/>
-                <a:gd name="connsiteX2" fmla="*/ 354556 w 354556"/>
-                <a:gd name="connsiteY2" fmla="*/ 177278 h 357465"/>
-                <a:gd name="connsiteX3" fmla="*/ 177278 w 354556"/>
-                <a:gd name="connsiteY3" fmla="*/ 354556 h 357465"/>
-                <a:gd name="connsiteX4" fmla="*/ 9457 w 354556"/>
-                <a:gd name="connsiteY4" fmla="*/ 268718 h 357465"/>
-                <a:gd name="connsiteX0" fmla="*/ 0 w 354556"/>
-                <a:gd name="connsiteY0" fmla="*/ 177278 h 357246"/>
-                <a:gd name="connsiteX1" fmla="*/ 177278 w 354556"/>
-                <a:gd name="connsiteY1" fmla="*/ 0 h 357246"/>
-                <a:gd name="connsiteX2" fmla="*/ 354556 w 354556"/>
-                <a:gd name="connsiteY2" fmla="*/ 177278 h 357246"/>
-                <a:gd name="connsiteX3" fmla="*/ 177278 w 354556"/>
-                <a:gd name="connsiteY3" fmla="*/ 354556 h 357246"/>
-                <a:gd name="connsiteX4" fmla="*/ 23744 w 354556"/>
-                <a:gd name="connsiteY4" fmla="*/ 266337 h 357246"/>
-                <a:gd name="connsiteX0" fmla="*/ 0 w 354556"/>
-                <a:gd name="connsiteY0" fmla="*/ 177278 h 357246"/>
-                <a:gd name="connsiteX1" fmla="*/ 177278 w 354556"/>
-                <a:gd name="connsiteY1" fmla="*/ 0 h 357246"/>
-                <a:gd name="connsiteX2" fmla="*/ 354556 w 354556"/>
-                <a:gd name="connsiteY2" fmla="*/ 177278 h 357246"/>
-                <a:gd name="connsiteX3" fmla="*/ 177278 w 354556"/>
-                <a:gd name="connsiteY3" fmla="*/ 354556 h 357246"/>
-                <a:gd name="connsiteX4" fmla="*/ 23744 w 354556"/>
-                <a:gd name="connsiteY4" fmla="*/ 266337 h 357246"/>
-                <a:gd name="connsiteX0" fmla="*/ 0 w 340269"/>
-                <a:gd name="connsiteY0" fmla="*/ 132898 h 358109"/>
-                <a:gd name="connsiteX1" fmla="*/ 162991 w 340269"/>
-                <a:gd name="connsiteY1" fmla="*/ 863 h 358109"/>
-                <a:gd name="connsiteX2" fmla="*/ 340269 w 340269"/>
-                <a:gd name="connsiteY2" fmla="*/ 178141 h 358109"/>
-                <a:gd name="connsiteX3" fmla="*/ 162991 w 340269"/>
-                <a:gd name="connsiteY3" fmla="*/ 355419 h 358109"/>
-                <a:gd name="connsiteX4" fmla="*/ 9457 w 340269"/>
-                <a:gd name="connsiteY4" fmla="*/ 267200 h 358109"/>
-                <a:gd name="connsiteX0" fmla="*/ 0 w 340269"/>
-                <a:gd name="connsiteY0" fmla="*/ 132862 h 358073"/>
-                <a:gd name="connsiteX1" fmla="*/ 162991 w 340269"/>
-                <a:gd name="connsiteY1" fmla="*/ 827 h 358073"/>
-                <a:gd name="connsiteX2" fmla="*/ 340269 w 340269"/>
-                <a:gd name="connsiteY2" fmla="*/ 178105 h 358073"/>
-                <a:gd name="connsiteX3" fmla="*/ 162991 w 340269"/>
-                <a:gd name="connsiteY3" fmla="*/ 355383 h 358073"/>
-                <a:gd name="connsiteX4" fmla="*/ 9457 w 340269"/>
-                <a:gd name="connsiteY4" fmla="*/ 267164 h 358073"/>
-                <a:gd name="connsiteX0" fmla="*/ 0 w 340269"/>
-                <a:gd name="connsiteY0" fmla="*/ 132828 h 358039"/>
-                <a:gd name="connsiteX1" fmla="*/ 162991 w 340269"/>
-                <a:gd name="connsiteY1" fmla="*/ 793 h 358039"/>
-                <a:gd name="connsiteX2" fmla="*/ 340269 w 340269"/>
-                <a:gd name="connsiteY2" fmla="*/ 178071 h 358039"/>
-                <a:gd name="connsiteX3" fmla="*/ 162991 w 340269"/>
-                <a:gd name="connsiteY3" fmla="*/ 355349 h 358039"/>
-                <a:gd name="connsiteX4" fmla="*/ 9457 w 340269"/>
-                <a:gd name="connsiteY4" fmla="*/ 267130 h 358039"/>
-                <a:gd name="connsiteX0" fmla="*/ 0 w 340269"/>
-                <a:gd name="connsiteY0" fmla="*/ 132038 h 357249"/>
-                <a:gd name="connsiteX1" fmla="*/ 162991 w 340269"/>
-                <a:gd name="connsiteY1" fmla="*/ 3 h 357249"/>
-                <a:gd name="connsiteX2" fmla="*/ 340269 w 340269"/>
-                <a:gd name="connsiteY2" fmla="*/ 177281 h 357249"/>
-                <a:gd name="connsiteX3" fmla="*/ 162991 w 340269"/>
-                <a:gd name="connsiteY3" fmla="*/ 354559 h 357249"/>
-                <a:gd name="connsiteX4" fmla="*/ 9457 w 340269"/>
-                <a:gd name="connsiteY4" fmla="*/ 266340 h 357249"/>
-                <a:gd name="connsiteX0" fmla="*/ 0 w 340269"/>
-                <a:gd name="connsiteY0" fmla="*/ 132038 h 354711"/>
-                <a:gd name="connsiteX1" fmla="*/ 162991 w 340269"/>
-                <a:gd name="connsiteY1" fmla="*/ 3 h 354711"/>
-                <a:gd name="connsiteX2" fmla="*/ 340269 w 340269"/>
-                <a:gd name="connsiteY2" fmla="*/ 177281 h 354711"/>
-                <a:gd name="connsiteX3" fmla="*/ 162991 w 340269"/>
-                <a:gd name="connsiteY3" fmla="*/ 354559 h 354711"/>
-                <a:gd name="connsiteX4" fmla="*/ 9457 w 340269"/>
-                <a:gd name="connsiteY4" fmla="*/ 266340 h 354711"/>
-                <a:gd name="connsiteX0" fmla="*/ 0 w 335507"/>
-                <a:gd name="connsiteY0" fmla="*/ 106538 h 357786"/>
-                <a:gd name="connsiteX1" fmla="*/ 158229 w 335507"/>
-                <a:gd name="connsiteY1" fmla="*/ 3078 h 357786"/>
-                <a:gd name="connsiteX2" fmla="*/ 335507 w 335507"/>
-                <a:gd name="connsiteY2" fmla="*/ 180356 h 357786"/>
-                <a:gd name="connsiteX3" fmla="*/ 158229 w 335507"/>
-                <a:gd name="connsiteY3" fmla="*/ 357634 h 357786"/>
-                <a:gd name="connsiteX4" fmla="*/ 4695 w 335507"/>
-                <a:gd name="connsiteY4" fmla="*/ 269415 h 357786"/>
-                <a:gd name="connsiteX0" fmla="*/ 0 w 335507"/>
-                <a:gd name="connsiteY0" fmla="*/ 105514 h 356762"/>
-                <a:gd name="connsiteX1" fmla="*/ 158229 w 335507"/>
-                <a:gd name="connsiteY1" fmla="*/ 2054 h 356762"/>
-                <a:gd name="connsiteX2" fmla="*/ 335507 w 335507"/>
-                <a:gd name="connsiteY2" fmla="*/ 179332 h 356762"/>
-                <a:gd name="connsiteX3" fmla="*/ 158229 w 335507"/>
-                <a:gd name="connsiteY3" fmla="*/ 356610 h 356762"/>
-                <a:gd name="connsiteX4" fmla="*/ 4695 w 335507"/>
-                <a:gd name="connsiteY4" fmla="*/ 268391 h 356762"/>
-                <a:gd name="connsiteX0" fmla="*/ 0 w 335507"/>
-                <a:gd name="connsiteY0" fmla="*/ 103616 h 354864"/>
-                <a:gd name="connsiteX1" fmla="*/ 158229 w 335507"/>
-                <a:gd name="connsiteY1" fmla="*/ 156 h 354864"/>
-                <a:gd name="connsiteX2" fmla="*/ 335507 w 335507"/>
-                <a:gd name="connsiteY2" fmla="*/ 177434 h 354864"/>
-                <a:gd name="connsiteX3" fmla="*/ 158229 w 335507"/>
-                <a:gd name="connsiteY3" fmla="*/ 354712 h 354864"/>
-                <a:gd name="connsiteX4" fmla="*/ 4695 w 335507"/>
-                <a:gd name="connsiteY4" fmla="*/ 266493 h 354864"/>
-                <a:gd name="connsiteX0" fmla="*/ 0 w 335507"/>
-                <a:gd name="connsiteY0" fmla="*/ 103616 h 354864"/>
-                <a:gd name="connsiteX1" fmla="*/ 158229 w 335507"/>
-                <a:gd name="connsiteY1" fmla="*/ 156 h 354864"/>
-                <a:gd name="connsiteX2" fmla="*/ 335507 w 335507"/>
-                <a:gd name="connsiteY2" fmla="*/ 177434 h 354864"/>
-                <a:gd name="connsiteX3" fmla="*/ 158229 w 335507"/>
-                <a:gd name="connsiteY3" fmla="*/ 354712 h 354864"/>
-                <a:gd name="connsiteX4" fmla="*/ 4695 w 335507"/>
-                <a:gd name="connsiteY4" fmla="*/ 266493 h 354864"/>
-                <a:gd name="connsiteX0" fmla="*/ 0 w 335507"/>
-                <a:gd name="connsiteY0" fmla="*/ 103616 h 354864"/>
-                <a:gd name="connsiteX1" fmla="*/ 158229 w 335507"/>
-                <a:gd name="connsiteY1" fmla="*/ 156 h 354864"/>
-                <a:gd name="connsiteX2" fmla="*/ 335507 w 335507"/>
-                <a:gd name="connsiteY2" fmla="*/ 177434 h 354864"/>
-                <a:gd name="connsiteX3" fmla="*/ 158229 w 335507"/>
-                <a:gd name="connsiteY3" fmla="*/ 354712 h 354864"/>
-                <a:gd name="connsiteX4" fmla="*/ 4695 w 335507"/>
-                <a:gd name="connsiteY4" fmla="*/ 266493 h 354864"/>
-                <a:gd name="connsiteX0" fmla="*/ 0 w 335507"/>
-                <a:gd name="connsiteY0" fmla="*/ 103616 h 354864"/>
-                <a:gd name="connsiteX1" fmla="*/ 158229 w 335507"/>
-                <a:gd name="connsiteY1" fmla="*/ 156 h 354864"/>
-                <a:gd name="connsiteX2" fmla="*/ 335507 w 335507"/>
-                <a:gd name="connsiteY2" fmla="*/ 177434 h 354864"/>
-                <a:gd name="connsiteX3" fmla="*/ 158229 w 335507"/>
-                <a:gd name="connsiteY3" fmla="*/ 354712 h 354864"/>
-                <a:gd name="connsiteX4" fmla="*/ 4695 w 335507"/>
-                <a:gd name="connsiteY4" fmla="*/ 266493 h 354864"/>
-                <a:gd name="connsiteX0" fmla="*/ 0 w 335507"/>
-                <a:gd name="connsiteY0" fmla="*/ 103616 h 355628"/>
-                <a:gd name="connsiteX1" fmla="*/ 158229 w 335507"/>
-                <a:gd name="connsiteY1" fmla="*/ 156 h 355628"/>
-                <a:gd name="connsiteX2" fmla="*/ 335507 w 335507"/>
-                <a:gd name="connsiteY2" fmla="*/ 177434 h 355628"/>
-                <a:gd name="connsiteX3" fmla="*/ 158229 w 335507"/>
-                <a:gd name="connsiteY3" fmla="*/ 354712 h 355628"/>
-                <a:gd name="connsiteX4" fmla="*/ 4695 w 335507"/>
-                <a:gd name="connsiteY4" fmla="*/ 266493 h 355628"/>
-                <a:gd name="connsiteX0" fmla="*/ 0 w 335507"/>
-                <a:gd name="connsiteY0" fmla="*/ 103616 h 372066"/>
-                <a:gd name="connsiteX1" fmla="*/ 158229 w 335507"/>
-                <a:gd name="connsiteY1" fmla="*/ 156 h 372066"/>
-                <a:gd name="connsiteX2" fmla="*/ 335507 w 335507"/>
-                <a:gd name="connsiteY2" fmla="*/ 177434 h 372066"/>
-                <a:gd name="connsiteX3" fmla="*/ 189186 w 335507"/>
-                <a:gd name="connsiteY3" fmla="*/ 371380 h 372066"/>
-                <a:gd name="connsiteX4" fmla="*/ 4695 w 335507"/>
-                <a:gd name="connsiteY4" fmla="*/ 266493 h 372066"/>
-                <a:gd name="connsiteX0" fmla="*/ 0 w 335507"/>
-                <a:gd name="connsiteY0" fmla="*/ 103616 h 372483"/>
-                <a:gd name="connsiteX1" fmla="*/ 158229 w 335507"/>
-                <a:gd name="connsiteY1" fmla="*/ 156 h 372483"/>
-                <a:gd name="connsiteX2" fmla="*/ 335507 w 335507"/>
-                <a:gd name="connsiteY2" fmla="*/ 177434 h 372483"/>
-                <a:gd name="connsiteX3" fmla="*/ 189186 w 335507"/>
-                <a:gd name="connsiteY3" fmla="*/ 371380 h 372483"/>
-                <a:gd name="connsiteX4" fmla="*/ 4695 w 335507"/>
-                <a:gd name="connsiteY4" fmla="*/ 266493 h 372483"/>
-              </a:gdLst>
-              <a:ahLst/>
-              <a:cxnLst>
-                <a:cxn ang="0">
-                  <a:pos x="connsiteX0" y="connsiteY0"/>
-                </a:cxn>
-                <a:cxn ang="0">
-                  <a:pos x="connsiteX1" y="connsiteY1"/>
-                </a:cxn>
-                <a:cxn ang="0">
-                  <a:pos x="connsiteX2" y="connsiteY2"/>
-                </a:cxn>
-                <a:cxn ang="0">
-                  <a:pos x="connsiteX3" y="connsiteY3"/>
-                </a:cxn>
-                <a:cxn ang="0">
-                  <a:pos x="connsiteX4" y="connsiteY4"/>
-                </a:cxn>
-              </a:cxnLst>
-              <a:rect l="l" t="t" r="r" b="b"/>
-              <a:pathLst>
-                <a:path w="335507" h="372483">
-                  <a:moveTo>
-                    <a:pt x="0" y="103616"/>
-                  </a:moveTo>
-                  <a:cubicBezTo>
-                    <a:pt x="26193" y="31903"/>
-                    <a:pt x="52305" y="-2622"/>
-                    <a:pt x="158229" y="156"/>
-                  </a:cubicBezTo>
-                  <a:cubicBezTo>
-                    <a:pt x="264153" y="2934"/>
-                    <a:pt x="335507" y="79526"/>
-                    <a:pt x="335507" y="177434"/>
-                  </a:cubicBezTo>
-                  <a:cubicBezTo>
-                    <a:pt x="335507" y="275342"/>
-                    <a:pt x="306233" y="361299"/>
-                    <a:pt x="189186" y="371380"/>
-                  </a:cubicBezTo>
-                  <a:cubicBezTo>
-                    <a:pt x="72139" y="381461"/>
-                    <a:pt x="25174" y="320586"/>
-                    <a:pt x="4695" y="266493"/>
-                  </a:cubicBezTo>
-                </a:path>
-              </a:pathLst>
-            </a:custGeom>
-            <a:noFill/>
-            <a:ln w="38100">
-              <a:solidFill>
-                <a:schemeClr val="accent6"/>
-              </a:solidFill>
-              <a:headEnd type="triangle"/>
-            </a:ln>
-          </p:spPr>
-          <p:style>
-            <a:lnRef idx="2">
-              <a:schemeClr val="accent1">
-                <a:shade val="50000"/>
-              </a:schemeClr>
-            </a:lnRef>
-            <a:fillRef idx="1">
-              <a:schemeClr val="accent1"/>
-            </a:fillRef>
-            <a:effectRef idx="0">
-              <a:schemeClr val="accent1"/>
-            </a:effectRef>
-            <a:fontRef idx="minor">
-              <a:schemeClr val="lt1"/>
-            </a:fontRef>
-          </p:style>
-          <p:txBody>
-            <a:bodyPr rot="0" spcFirstLastPara="0" vertOverflow="overflow" horzOverflow="overflow" vert="horz" wrap="square" lIns="91440" tIns="45720" rIns="91440" bIns="45720" numCol="1" spcCol="0" rtlCol="0" fromWordArt="0" anchor="ctr" anchorCtr="0" forceAA="0" compatLnSpc="1">
-              <a:prstTxWarp prst="textNoShape">
-                <a:avLst/>
-              </a:prstTxWarp>
-              <a:noAutofit/>
-            </a:bodyPr>
-            <a:lstStyle/>
-            <a:p>
-              <a:pPr algn="ctr"/>
-              <a:endParaRPr lang="fr-FR"/>
-            </a:p>
-          </p:txBody>
-        </p:sp>
-        <p:sp>
-          <p:nvSpPr>
-            <p:cNvPr id="20" name="Ellipse 19">
-              <a:extLst>
-                <a:ext uri="{FF2B5EF4-FFF2-40B4-BE49-F238E27FC236}">
-                  <a16:creationId xmlns:a16="http://schemas.microsoft.com/office/drawing/2014/main" id="{437A2616-5617-4CF2-9335-FD5A381FB322}"/>
-                </a:ext>
-              </a:extLst>
-            </p:cNvPr>
-            <p:cNvSpPr/>
-            <p:nvPr/>
-          </p:nvSpPr>
-          <p:spPr>
-            <a:xfrm>
-              <a:off x="5937250" y="1771650"/>
-              <a:ext cx="158750" cy="158750"/>
-            </a:xfrm>
-            <a:prstGeom prst="ellipse">
-              <a:avLst/>
-            </a:prstGeom>
-          </p:spPr>
-          <p:style>
-            <a:lnRef idx="2">
-              <a:schemeClr val="dk1">
-                <a:shade val="50000"/>
-              </a:schemeClr>
-            </a:lnRef>
-            <a:fillRef idx="1">
-              <a:schemeClr val="dk1"/>
-            </a:fillRef>
-            <a:effectRef idx="0">
-              <a:schemeClr val="dk1"/>
-            </a:effectRef>
-            <a:fontRef idx="minor">
-              <a:schemeClr val="lt1"/>
-            </a:fontRef>
-          </p:style>
-          <p:txBody>
-            <a:bodyPr rot="0" spcFirstLastPara="0" vertOverflow="overflow" horzOverflow="overflow" vert="horz" wrap="square" lIns="91440" tIns="45720" rIns="91440" bIns="45720" numCol="1" spcCol="0" rtlCol="0" fromWordArt="0" anchor="ctr" anchorCtr="0" forceAA="0" compatLnSpc="1">
-              <a:prstTxWarp prst="textNoShape">
-                <a:avLst/>
-              </a:prstTxWarp>
-              <a:noAutofit/>
-            </a:bodyPr>
-            <a:lstStyle/>
-            <a:p>
-              <a:pPr algn="ctr"/>
-              <a:endParaRPr lang="fr-FR"/>
-            </a:p>
-          </p:txBody>
-        </p:sp>
-        <p:sp>
-          <p:nvSpPr>
-            <p:cNvPr id="21" name="Ellipse 20">
-              <a:extLst>
-                <a:ext uri="{FF2B5EF4-FFF2-40B4-BE49-F238E27FC236}">
-                  <a16:creationId xmlns:a16="http://schemas.microsoft.com/office/drawing/2014/main" id="{6C5C67DA-ACDD-40B4-976E-53A43922F30F}"/>
-                </a:ext>
-              </a:extLst>
-            </p:cNvPr>
-            <p:cNvSpPr/>
-            <p:nvPr/>
-          </p:nvSpPr>
-          <p:spPr>
-            <a:xfrm>
-              <a:off x="7133139" y="3811170"/>
-              <a:ext cx="158750" cy="158750"/>
-            </a:xfrm>
-            <a:prstGeom prst="ellipse">
-              <a:avLst/>
-            </a:prstGeom>
-          </p:spPr>
-          <p:style>
-            <a:lnRef idx="2">
-              <a:schemeClr val="dk1">
-                <a:shade val="50000"/>
-              </a:schemeClr>
-            </a:lnRef>
-            <a:fillRef idx="1">
-              <a:schemeClr val="dk1"/>
-            </a:fillRef>
-            <a:effectRef idx="0">
-              <a:schemeClr val="dk1"/>
-            </a:effectRef>
-            <a:fontRef idx="minor">
-              <a:schemeClr val="lt1"/>
-            </a:fontRef>
-          </p:style>
-          <p:txBody>
-            <a:bodyPr rot="0" spcFirstLastPara="0" vertOverflow="overflow" horzOverflow="overflow" vert="horz" wrap="square" lIns="91440" tIns="45720" rIns="91440" bIns="45720" numCol="1" spcCol="0" rtlCol="0" fromWordArt="0" anchor="ctr" anchorCtr="0" forceAA="0" compatLnSpc="1">
-              <a:prstTxWarp prst="textNoShape">
-                <a:avLst/>
-              </a:prstTxWarp>
-              <a:noAutofit/>
-            </a:bodyPr>
-            <a:lstStyle/>
-            <a:p>
-              <a:pPr algn="ctr"/>
-              <a:endParaRPr lang="fr-FR"/>
-            </a:p>
-          </p:txBody>
-        </p:sp>
-        <p:sp>
-          <p:nvSpPr>
-            <p:cNvPr id="26" name="Ellipse 25">
-              <a:extLst>
-                <a:ext uri="{FF2B5EF4-FFF2-40B4-BE49-F238E27FC236}">
-                  <a16:creationId xmlns:a16="http://schemas.microsoft.com/office/drawing/2014/main" id="{1AC3514A-607E-4D59-9C77-A55C8E6998ED}"/>
-                </a:ext>
-              </a:extLst>
-            </p:cNvPr>
-            <p:cNvSpPr/>
-            <p:nvPr/>
-          </p:nvSpPr>
-          <p:spPr>
-            <a:xfrm>
-              <a:off x="4733651" y="3824332"/>
-              <a:ext cx="158750" cy="158750"/>
-            </a:xfrm>
-            <a:prstGeom prst="ellipse">
-              <a:avLst/>
-            </a:prstGeom>
-          </p:spPr>
-          <p:style>
-            <a:lnRef idx="2">
-              <a:schemeClr val="dk1">
-                <a:shade val="50000"/>
-              </a:schemeClr>
-            </a:lnRef>
-            <a:fillRef idx="1">
-              <a:schemeClr val="dk1"/>
-            </a:fillRef>
-            <a:effectRef idx="0">
-              <a:schemeClr val="dk1"/>
-            </a:effectRef>
-            <a:fontRef idx="minor">
-              <a:schemeClr val="lt1"/>
-            </a:fontRef>
-          </p:style>
-          <p:txBody>
-            <a:bodyPr rot="0" spcFirstLastPara="0" vertOverflow="overflow" horzOverflow="overflow" vert="horz" wrap="square" lIns="91440" tIns="45720" rIns="91440" bIns="45720" numCol="1" spcCol="0" rtlCol="0" fromWordArt="0" anchor="ctr" anchorCtr="0" forceAA="0" compatLnSpc="1">
-              <a:prstTxWarp prst="textNoShape">
-                <a:avLst/>
-              </a:prstTxWarp>
-              <a:noAutofit/>
-            </a:bodyPr>
-            <a:lstStyle/>
-            <a:p>
-              <a:pPr algn="ctr"/>
-              <a:endParaRPr lang="fr-FR"/>
-            </a:p>
-          </p:txBody>
-        </p:sp>
-      </p:grpSp>
-      <mc:AlternateContent xmlns:mc="http://schemas.openxmlformats.org/markup-compatibility/2006">
-        <mc:Choice xmlns:a14="http://schemas.microsoft.com/office/drawing/2010/main" Requires="a14">
+            </a:prstTxWarp>
+            <a:noAutofit/>
+          </a:bodyPr>
+          <a:lstStyle/>
+          <a:p>
+            <a:pPr algn="ctr"/>
+            <a:endParaRPr lang="fr-FR"/>
+          </a:p>
+        </p:txBody>
+      </p:sp>
+      <mc:AlternateContent xmlns:mc="http://schemas.openxmlformats.org/markup-compatibility/2006" xmlns:a14="http://schemas.microsoft.com/office/drawing/2010/main">
+        <mc:Choice Requires="a14">
           <p:sp>
             <p:nvSpPr>
               <p:cNvPr id="30" name="ZoneTexte 29">
@@ -4256,6 +4240,7 @@
               </a:bodyPr>
               <a:lstStyle/>
               <a:p>
+                <a:pPr/>
                 <a14:m>
                   <m:oMathPara xmlns:m="http://schemas.openxmlformats.org/officeDocument/2006/math">
                     <m:oMathParaPr>
@@ -4295,7 +4280,7 @@
             </p:txBody>
           </p:sp>
         </mc:Choice>
-        <mc:Fallback>
+        <mc:Fallback xmlns="">
           <p:sp>
             <p:nvSpPr>
               <p:cNvPr id="30" name="ZoneTexte 29">
@@ -4340,8 +4325,8 @@
           </p:sp>
         </mc:Fallback>
       </mc:AlternateContent>
-      <mc:AlternateContent xmlns:mc="http://schemas.openxmlformats.org/markup-compatibility/2006">
-        <mc:Choice xmlns:a14="http://schemas.microsoft.com/office/drawing/2010/main" Requires="a14">
+      <mc:AlternateContent xmlns:mc="http://schemas.openxmlformats.org/markup-compatibility/2006" xmlns:a14="http://schemas.microsoft.com/office/drawing/2010/main">
+        <mc:Choice Requires="a14">
           <p:sp>
             <p:nvSpPr>
               <p:cNvPr id="31" name="ZoneTexte 30">
@@ -4370,6 +4355,7 @@
               </a:bodyPr>
               <a:lstStyle/>
               <a:p>
+                <a:pPr/>
                 <a14:m>
                   <m:oMathPara xmlns:m="http://schemas.openxmlformats.org/officeDocument/2006/math">
                     <m:oMathParaPr>
@@ -4409,7 +4395,7 @@
             </p:txBody>
           </p:sp>
         </mc:Choice>
-        <mc:Fallback>
+        <mc:Fallback xmlns="">
           <p:sp>
             <p:nvSpPr>
               <p:cNvPr id="31" name="ZoneTexte 30">
@@ -4454,8 +4440,8 @@
           </p:sp>
         </mc:Fallback>
       </mc:AlternateContent>
-      <mc:AlternateContent xmlns:mc="http://schemas.openxmlformats.org/markup-compatibility/2006">
-        <mc:Choice xmlns:a14="http://schemas.microsoft.com/office/drawing/2010/main" Requires="a14">
+      <mc:AlternateContent xmlns:mc="http://schemas.openxmlformats.org/markup-compatibility/2006" xmlns:a14="http://schemas.microsoft.com/office/drawing/2010/main">
+        <mc:Choice Requires="a14">
           <p:sp>
             <p:nvSpPr>
               <p:cNvPr id="32" name="ZoneTexte 31">
@@ -4484,6 +4470,7 @@
               </a:bodyPr>
               <a:lstStyle/>
               <a:p>
+                <a:pPr/>
                 <a14:m>
                   <m:oMathPara xmlns:m="http://schemas.openxmlformats.org/officeDocument/2006/math">
                     <m:oMathParaPr>
@@ -4523,7 +4510,7 @@
             </p:txBody>
           </p:sp>
         </mc:Choice>
-        <mc:Fallback>
+        <mc:Fallback xmlns="">
           <p:sp>
             <p:nvSpPr>
               <p:cNvPr id="32" name="ZoneTexte 31">
@@ -4568,8 +4555,8 @@
           </p:sp>
         </mc:Fallback>
       </mc:AlternateContent>
-      <mc:AlternateContent xmlns:mc="http://schemas.openxmlformats.org/markup-compatibility/2006">
-        <mc:Choice xmlns:a14="http://schemas.microsoft.com/office/drawing/2010/main" Requires="a14">
+      <mc:AlternateContent xmlns:mc="http://schemas.openxmlformats.org/markup-compatibility/2006" xmlns:a14="http://schemas.microsoft.com/office/drawing/2010/main">
+        <mc:Choice Requires="a14">
           <p:sp>
             <p:nvSpPr>
               <p:cNvPr id="33" name="ZoneTexte 32">
@@ -4598,6 +4585,7 @@
               </a:bodyPr>
               <a:lstStyle/>
               <a:p>
+                <a:pPr/>
                 <a14:m>
                   <m:oMathPara xmlns:m="http://schemas.openxmlformats.org/officeDocument/2006/math">
                     <m:oMathParaPr>
@@ -4618,7 +4606,7 @@
             </p:txBody>
           </p:sp>
         </mc:Choice>
-        <mc:Fallback>
+        <mc:Fallback xmlns="">
           <p:sp>
             <p:nvSpPr>
               <p:cNvPr id="33" name="ZoneTexte 32">
@@ -4663,8 +4651,8 @@
           </p:sp>
         </mc:Fallback>
       </mc:AlternateContent>
-      <mc:AlternateContent xmlns:mc="http://schemas.openxmlformats.org/markup-compatibility/2006">
-        <mc:Choice xmlns:a14="http://schemas.microsoft.com/office/drawing/2010/main" Requires="a14">
+      <mc:AlternateContent xmlns:mc="http://schemas.openxmlformats.org/markup-compatibility/2006" xmlns:a14="http://schemas.microsoft.com/office/drawing/2010/main">
+        <mc:Choice Requires="a14">
           <p:sp>
             <p:nvSpPr>
               <p:cNvPr id="34" name="ZoneTexte 33">
@@ -4693,6 +4681,7 @@
               </a:bodyPr>
               <a:lstStyle/>
               <a:p>
+                <a:pPr/>
                 <a14:m>
                   <m:oMathPara xmlns:m="http://schemas.openxmlformats.org/officeDocument/2006/math">
                     <m:oMathParaPr>
@@ -4732,7 +4721,7 @@
             </p:txBody>
           </p:sp>
         </mc:Choice>
-        <mc:Fallback>
+        <mc:Fallback xmlns="">
           <p:sp>
             <p:nvSpPr>
               <p:cNvPr id="34" name="ZoneTexte 33">
@@ -4793,7 +4782,7 @@
 <file path=ppt/theme/theme1.xml><?xml version="1.0" encoding="utf-8"?>
 <a:theme xmlns:a="http://schemas.openxmlformats.org/drawingml/2006/main" name="Thème Office">
   <a:themeElements>
-    <a:clrScheme name="Thème Office">
+    <a:clrScheme name="Matplotlib">
       <a:dk1>
         <a:sysClr val="windowText" lastClr="000000"/>
       </a:dk1>
@@ -4807,22 +4796,22 @@
         <a:srgbClr val="E7E6E6"/>
       </a:lt2>
       <a:accent1>
-        <a:srgbClr val="4472C4"/>
+        <a:srgbClr val="FF7F0E"/>
       </a:accent1>
       <a:accent2>
-        <a:srgbClr val="ED7D31"/>
+        <a:srgbClr val="1F77B4"/>
       </a:accent2>
       <a:accent3>
-        <a:srgbClr val="A5A5A5"/>
+        <a:srgbClr val="2CA02C"/>
       </a:accent3>
       <a:accent4>
-        <a:srgbClr val="FFC000"/>
+        <a:srgbClr val="1D6FA9"/>
       </a:accent4>
       <a:accent5>
-        <a:srgbClr val="5B9BD5"/>
+        <a:srgbClr val="B74919"/>
       </a:accent5>
       <a:accent6>
-        <a:srgbClr val="70AD47"/>
+        <a:srgbClr val="F19D19"/>
       </a:accent6>
       <a:hlink>
         <a:srgbClr val="0563C1"/>
